--- a/RxSwift.pptx
+++ b/RxSwift.pptx
@@ -4,6 +4,9 @@
   <p:sldMasterIdLst>
     <p:sldMasterId id="2147483660" r:id="rId1"/>
   </p:sldMasterIdLst>
+  <p:notesMasterIdLst>
+    <p:notesMasterId r:id="rId51"/>
+  </p:notesMasterIdLst>
   <p:sldIdLst>
     <p:sldId id="257" r:id="rId2"/>
     <p:sldId id="258" r:id="rId3"/>
@@ -49,6 +52,11 @@
     <p:sldId id="308" r:id="rId43"/>
     <p:sldId id="309" r:id="rId44"/>
     <p:sldId id="310" r:id="rId45"/>
+    <p:sldId id="311" r:id="rId46"/>
+    <p:sldId id="312" r:id="rId47"/>
+    <p:sldId id="313" r:id="rId48"/>
+    <p:sldId id="314" r:id="rId49"/>
+    <p:sldId id="315" r:id="rId50"/>
   </p:sldIdLst>
   <p:sldSz cx="9144000" cy="6858000" type="screen4x3"/>
   <p:notesSz cx="6858000" cy="9144000"/>
@@ -155,6 +163,859 @@
 </p:presentation>
 </file>
 
+<file path=ppt/notesMasters/notesMaster1.xml><?xml version="1.0" encoding="utf-8"?>
+<p:notesMaster xmlns:a="http://schemas.openxmlformats.org/drawingml/2006/main" xmlns:r="http://schemas.openxmlformats.org/officeDocument/2006/relationships" xmlns:p="http://schemas.openxmlformats.org/presentationml/2006/main">
+  <p:cSld>
+    <p:bg>
+      <p:bgRef idx="1001">
+        <a:schemeClr val="bg1"/>
+      </p:bgRef>
+    </p:bg>
+    <p:spTree>
+      <p:nvGrpSpPr>
+        <p:cNvPr id="1" name=""/>
+        <p:cNvGrpSpPr/>
+        <p:nvPr/>
+      </p:nvGrpSpPr>
+      <p:grpSpPr>
+        <a:xfrm>
+          <a:off x="0" y="0"/>
+          <a:ext cx="0" cy="0"/>
+          <a:chOff x="0" y="0"/>
+          <a:chExt cx="0" cy="0"/>
+        </a:xfrm>
+      </p:grpSpPr>
+      <p:sp>
+        <p:nvSpPr>
+          <p:cNvPr id="2" name="머리글 개체 틀 1"/>
+          <p:cNvSpPr>
+            <a:spLocks noGrp="1"/>
+          </p:cNvSpPr>
+          <p:nvPr>
+            <p:ph type="hdr" sz="quarter"/>
+          </p:nvPr>
+        </p:nvSpPr>
+        <p:spPr>
+          <a:xfrm>
+            <a:off x="0" y="0"/>
+            <a:ext cx="2971800" cy="458788"/>
+          </a:xfrm>
+          <a:prstGeom prst="rect">
+            <a:avLst/>
+          </a:prstGeom>
+        </p:spPr>
+        <p:txBody>
+          <a:bodyPr vert="horz" lIns="91440" tIns="45720" rIns="91440" bIns="45720" rtlCol="0"/>
+          <a:lstStyle>
+            <a:lvl1pPr algn="l">
+              <a:defRPr sz="1200"/>
+            </a:lvl1pPr>
+          </a:lstStyle>
+          <a:p>
+            <a:endParaRPr kumimoji="1" lang="ko-KR" altLang="en-US"/>
+          </a:p>
+        </p:txBody>
+      </p:sp>
+      <p:sp>
+        <p:nvSpPr>
+          <p:cNvPr id="3" name="날짜 개체 틀 2"/>
+          <p:cNvSpPr>
+            <a:spLocks noGrp="1"/>
+          </p:cNvSpPr>
+          <p:nvPr>
+            <p:ph type="dt" idx="1"/>
+          </p:nvPr>
+        </p:nvSpPr>
+        <p:spPr>
+          <a:xfrm>
+            <a:off x="3884613" y="0"/>
+            <a:ext cx="2971800" cy="458788"/>
+          </a:xfrm>
+          <a:prstGeom prst="rect">
+            <a:avLst/>
+          </a:prstGeom>
+        </p:spPr>
+        <p:txBody>
+          <a:bodyPr vert="horz" lIns="91440" tIns="45720" rIns="91440" bIns="45720" rtlCol="0"/>
+          <a:lstStyle>
+            <a:lvl1pPr algn="r">
+              <a:defRPr sz="1200"/>
+            </a:lvl1pPr>
+          </a:lstStyle>
+          <a:p>
+            <a:fld id="{1E113264-B70D-BA40-AFB9-ED53677AC052}" type="datetimeFigureOut">
+              <a:rPr kumimoji="1" lang="ko-KR" altLang="en-US" smtClean="0"/>
+              <a:t>2019. 3. 17.</a:t>
+            </a:fld>
+            <a:endParaRPr kumimoji="1" lang="ko-KR" altLang="en-US"/>
+          </a:p>
+        </p:txBody>
+      </p:sp>
+      <p:sp>
+        <p:nvSpPr>
+          <p:cNvPr id="4" name="슬라이드 이미지 개체 틀 3"/>
+          <p:cNvSpPr>
+            <a:spLocks noGrp="1" noRot="1" noChangeAspect="1"/>
+          </p:cNvSpPr>
+          <p:nvPr>
+            <p:ph type="sldImg" idx="2"/>
+          </p:nvPr>
+        </p:nvSpPr>
+        <p:spPr>
+          <a:xfrm>
+            <a:off x="1371600" y="1143000"/>
+            <a:ext cx="4114800" cy="3086100"/>
+          </a:xfrm>
+          <a:prstGeom prst="rect">
+            <a:avLst/>
+          </a:prstGeom>
+          <a:noFill/>
+          <a:ln w="12700">
+            <a:solidFill>
+              <a:prstClr val="black"/>
+            </a:solidFill>
+          </a:ln>
+        </p:spPr>
+        <p:txBody>
+          <a:bodyPr vert="horz" lIns="91440" tIns="45720" rIns="91440" bIns="45720" rtlCol="0" anchor="ctr"/>
+          <a:lstStyle/>
+          <a:p>
+            <a:endParaRPr lang="ko-KR" altLang="en-US"/>
+          </a:p>
+        </p:txBody>
+      </p:sp>
+      <p:sp>
+        <p:nvSpPr>
+          <p:cNvPr id="5" name="슬라이드 노트 개체 틀 4"/>
+          <p:cNvSpPr>
+            <a:spLocks noGrp="1"/>
+          </p:cNvSpPr>
+          <p:nvPr>
+            <p:ph type="body" sz="quarter" idx="3"/>
+          </p:nvPr>
+        </p:nvSpPr>
+        <p:spPr>
+          <a:xfrm>
+            <a:off x="685800" y="4400550"/>
+            <a:ext cx="5486400" cy="3600450"/>
+          </a:xfrm>
+          <a:prstGeom prst="rect">
+            <a:avLst/>
+          </a:prstGeom>
+        </p:spPr>
+        <p:txBody>
+          <a:bodyPr vert="horz" lIns="91440" tIns="45720" rIns="91440" bIns="45720" rtlCol="0"/>
+          <a:lstStyle/>
+          <a:p>
+            <a:pPr lvl="0"/>
+            <a:r>
+              <a:rPr kumimoji="1" lang="ko-KR" altLang="en-US"/>
+              <a:t>마스터 텍스트 스타일을 편집하려면 클릭</a:t>
+            </a:r>
+          </a:p>
+          <a:p>
+            <a:pPr lvl="1"/>
+            <a:r>
+              <a:rPr kumimoji="1" lang="ko-KR" altLang="en-US"/>
+              <a:t>두 번째 수준</a:t>
+            </a:r>
+          </a:p>
+          <a:p>
+            <a:pPr lvl="2"/>
+            <a:r>
+              <a:rPr kumimoji="1" lang="ko-KR" altLang="en-US"/>
+              <a:t>세 번째 수준</a:t>
+            </a:r>
+          </a:p>
+          <a:p>
+            <a:pPr lvl="3"/>
+            <a:r>
+              <a:rPr kumimoji="1" lang="ko-KR" altLang="en-US"/>
+              <a:t>네 번째 수준</a:t>
+            </a:r>
+          </a:p>
+          <a:p>
+            <a:pPr lvl="4"/>
+            <a:r>
+              <a:rPr kumimoji="1" lang="ko-KR" altLang="en-US"/>
+              <a:t>다섯 번째 수준</a:t>
+            </a:r>
+          </a:p>
+        </p:txBody>
+      </p:sp>
+      <p:sp>
+        <p:nvSpPr>
+          <p:cNvPr id="6" name="바닥글 개체 틀 5"/>
+          <p:cNvSpPr>
+            <a:spLocks noGrp="1"/>
+          </p:cNvSpPr>
+          <p:nvPr>
+            <p:ph type="ftr" sz="quarter" idx="4"/>
+          </p:nvPr>
+        </p:nvSpPr>
+        <p:spPr>
+          <a:xfrm>
+            <a:off x="0" y="8685213"/>
+            <a:ext cx="2971800" cy="458787"/>
+          </a:xfrm>
+          <a:prstGeom prst="rect">
+            <a:avLst/>
+          </a:prstGeom>
+        </p:spPr>
+        <p:txBody>
+          <a:bodyPr vert="horz" lIns="91440" tIns="45720" rIns="91440" bIns="45720" rtlCol="0" anchor="b"/>
+          <a:lstStyle>
+            <a:lvl1pPr algn="l">
+              <a:defRPr sz="1200"/>
+            </a:lvl1pPr>
+          </a:lstStyle>
+          <a:p>
+            <a:endParaRPr kumimoji="1" lang="ko-KR" altLang="en-US"/>
+          </a:p>
+        </p:txBody>
+      </p:sp>
+      <p:sp>
+        <p:nvSpPr>
+          <p:cNvPr id="7" name="슬라이드 번호 개체 틀 6"/>
+          <p:cNvSpPr>
+            <a:spLocks noGrp="1"/>
+          </p:cNvSpPr>
+          <p:nvPr>
+            <p:ph type="sldNum" sz="quarter" idx="5"/>
+          </p:nvPr>
+        </p:nvSpPr>
+        <p:spPr>
+          <a:xfrm>
+            <a:off x="3884613" y="8685213"/>
+            <a:ext cx="2971800" cy="458787"/>
+          </a:xfrm>
+          <a:prstGeom prst="rect">
+            <a:avLst/>
+          </a:prstGeom>
+        </p:spPr>
+        <p:txBody>
+          <a:bodyPr vert="horz" lIns="91440" tIns="45720" rIns="91440" bIns="45720" rtlCol="0" anchor="b"/>
+          <a:lstStyle>
+            <a:lvl1pPr algn="r">
+              <a:defRPr sz="1200"/>
+            </a:lvl1pPr>
+          </a:lstStyle>
+          <a:p>
+            <a:fld id="{DD45A7AC-50CE-FC4F-B919-22F00DC46170}" type="slidenum">
+              <a:rPr kumimoji="1" lang="ko-KR" altLang="en-US" smtClean="0"/>
+              <a:t>‹#›</a:t>
+            </a:fld>
+            <a:endParaRPr kumimoji="1" lang="ko-KR" altLang="en-US"/>
+          </a:p>
+        </p:txBody>
+      </p:sp>
+    </p:spTree>
+    <p:extLst>
+      <p:ext uri="{BB962C8B-B14F-4D97-AF65-F5344CB8AC3E}">
+        <p14:creationId xmlns:p14="http://schemas.microsoft.com/office/powerpoint/2010/main" val="2148861404"/>
+      </p:ext>
+    </p:extLst>
+  </p:cSld>
+  <p:clrMap bg1="lt1" tx1="dk1" bg2="lt2" tx2="dk2" accent1="accent1" accent2="accent2" accent3="accent3" accent4="accent4" accent5="accent5" accent6="accent6" hlink="hlink" folHlink="folHlink"/>
+  <p:notesStyle>
+    <a:lvl1pPr marL="0" algn="l" defTabSz="914400" rtl="0" eaLnBrk="1" latinLnBrk="1" hangingPunct="1">
+      <a:defRPr sz="1200" kern="1200">
+        <a:solidFill>
+          <a:schemeClr val="tx1"/>
+        </a:solidFill>
+        <a:latin typeface="+mn-lt"/>
+        <a:ea typeface="+mn-ea"/>
+        <a:cs typeface="+mn-cs"/>
+      </a:defRPr>
+    </a:lvl1pPr>
+    <a:lvl2pPr marL="457200" algn="l" defTabSz="914400" rtl="0" eaLnBrk="1" latinLnBrk="1" hangingPunct="1">
+      <a:defRPr sz="1200" kern="1200">
+        <a:solidFill>
+          <a:schemeClr val="tx1"/>
+        </a:solidFill>
+        <a:latin typeface="+mn-lt"/>
+        <a:ea typeface="+mn-ea"/>
+        <a:cs typeface="+mn-cs"/>
+      </a:defRPr>
+    </a:lvl2pPr>
+    <a:lvl3pPr marL="914400" algn="l" defTabSz="914400" rtl="0" eaLnBrk="1" latinLnBrk="1" hangingPunct="1">
+      <a:defRPr sz="1200" kern="1200">
+        <a:solidFill>
+          <a:schemeClr val="tx1"/>
+        </a:solidFill>
+        <a:latin typeface="+mn-lt"/>
+        <a:ea typeface="+mn-ea"/>
+        <a:cs typeface="+mn-cs"/>
+      </a:defRPr>
+    </a:lvl3pPr>
+    <a:lvl4pPr marL="1371600" algn="l" defTabSz="914400" rtl="0" eaLnBrk="1" latinLnBrk="1" hangingPunct="1">
+      <a:defRPr sz="1200" kern="1200">
+        <a:solidFill>
+          <a:schemeClr val="tx1"/>
+        </a:solidFill>
+        <a:latin typeface="+mn-lt"/>
+        <a:ea typeface="+mn-ea"/>
+        <a:cs typeface="+mn-cs"/>
+      </a:defRPr>
+    </a:lvl4pPr>
+    <a:lvl5pPr marL="1828800" algn="l" defTabSz="914400" rtl="0" eaLnBrk="1" latinLnBrk="1" hangingPunct="1">
+      <a:defRPr sz="1200" kern="1200">
+        <a:solidFill>
+          <a:schemeClr val="tx1"/>
+        </a:solidFill>
+        <a:latin typeface="+mn-lt"/>
+        <a:ea typeface="+mn-ea"/>
+        <a:cs typeface="+mn-cs"/>
+      </a:defRPr>
+    </a:lvl5pPr>
+    <a:lvl6pPr marL="2286000" algn="l" defTabSz="914400" rtl="0" eaLnBrk="1" latinLnBrk="1" hangingPunct="1">
+      <a:defRPr sz="1200" kern="1200">
+        <a:solidFill>
+          <a:schemeClr val="tx1"/>
+        </a:solidFill>
+        <a:latin typeface="+mn-lt"/>
+        <a:ea typeface="+mn-ea"/>
+        <a:cs typeface="+mn-cs"/>
+      </a:defRPr>
+    </a:lvl6pPr>
+    <a:lvl7pPr marL="2743200" algn="l" defTabSz="914400" rtl="0" eaLnBrk="1" latinLnBrk="1" hangingPunct="1">
+      <a:defRPr sz="1200" kern="1200">
+        <a:solidFill>
+          <a:schemeClr val="tx1"/>
+        </a:solidFill>
+        <a:latin typeface="+mn-lt"/>
+        <a:ea typeface="+mn-ea"/>
+        <a:cs typeface="+mn-cs"/>
+      </a:defRPr>
+    </a:lvl7pPr>
+    <a:lvl8pPr marL="3200400" algn="l" defTabSz="914400" rtl="0" eaLnBrk="1" latinLnBrk="1" hangingPunct="1">
+      <a:defRPr sz="1200" kern="1200">
+        <a:solidFill>
+          <a:schemeClr val="tx1"/>
+        </a:solidFill>
+        <a:latin typeface="+mn-lt"/>
+        <a:ea typeface="+mn-ea"/>
+        <a:cs typeface="+mn-cs"/>
+      </a:defRPr>
+    </a:lvl8pPr>
+    <a:lvl9pPr marL="3657600" algn="l" defTabSz="914400" rtl="0" eaLnBrk="1" latinLnBrk="1" hangingPunct="1">
+      <a:defRPr sz="1200" kern="1200">
+        <a:solidFill>
+          <a:schemeClr val="tx1"/>
+        </a:solidFill>
+        <a:latin typeface="+mn-lt"/>
+        <a:ea typeface="+mn-ea"/>
+        <a:cs typeface="+mn-cs"/>
+      </a:defRPr>
+    </a:lvl9pPr>
+  </p:notesStyle>
+</p:notesMaster>
+</file>
+
+<file path=ppt/notesSlides/notesSlide1.xml><?xml version="1.0" encoding="utf-8"?>
+<p:notes xmlns:a="http://schemas.openxmlformats.org/drawingml/2006/main" xmlns:r="http://schemas.openxmlformats.org/officeDocument/2006/relationships" xmlns:p="http://schemas.openxmlformats.org/presentationml/2006/main">
+  <p:cSld>
+    <p:spTree>
+      <p:nvGrpSpPr>
+        <p:cNvPr id="1" name=""/>
+        <p:cNvGrpSpPr/>
+        <p:nvPr/>
+      </p:nvGrpSpPr>
+      <p:grpSpPr>
+        <a:xfrm>
+          <a:off x="0" y="0"/>
+          <a:ext cx="0" cy="0"/>
+          <a:chOff x="0" y="0"/>
+          <a:chExt cx="0" cy="0"/>
+        </a:xfrm>
+      </p:grpSpPr>
+      <p:sp>
+        <p:nvSpPr>
+          <p:cNvPr id="2" name="슬라이드 이미지 개체 틀 1"/>
+          <p:cNvSpPr>
+            <a:spLocks noGrp="1" noRot="1" noChangeAspect="1"/>
+          </p:cNvSpPr>
+          <p:nvPr>
+            <p:ph type="sldImg"/>
+          </p:nvPr>
+        </p:nvSpPr>
+        <p:spPr/>
+      </p:sp>
+      <p:sp>
+        <p:nvSpPr>
+          <p:cNvPr id="3" name="슬라이드 노트 개체 틀 2"/>
+          <p:cNvSpPr>
+            <a:spLocks noGrp="1"/>
+          </p:cNvSpPr>
+          <p:nvPr>
+            <p:ph type="body" idx="1"/>
+          </p:nvPr>
+        </p:nvSpPr>
+        <p:spPr/>
+        <p:txBody>
+          <a:bodyPr/>
+          <a:lstStyle/>
+          <a:p>
+            <a:endParaRPr kumimoji="1" lang="ko-KR" altLang="en-US" dirty="0"/>
+          </a:p>
+        </p:txBody>
+      </p:sp>
+      <p:sp>
+        <p:nvSpPr>
+          <p:cNvPr id="4" name="슬라이드 번호 개체 틀 3"/>
+          <p:cNvSpPr>
+            <a:spLocks noGrp="1"/>
+          </p:cNvSpPr>
+          <p:nvPr>
+            <p:ph type="sldNum" sz="quarter" idx="5"/>
+          </p:nvPr>
+        </p:nvSpPr>
+        <p:spPr/>
+        <p:txBody>
+          <a:bodyPr/>
+          <a:lstStyle/>
+          <a:p>
+            <a:fld id="{DD45A7AC-50CE-FC4F-B919-22F00DC46170}" type="slidenum">
+              <a:rPr kumimoji="1" lang="ko-KR" altLang="en-US" smtClean="0"/>
+              <a:t>44</a:t>
+            </a:fld>
+            <a:endParaRPr kumimoji="1" lang="ko-KR" altLang="en-US"/>
+          </a:p>
+        </p:txBody>
+      </p:sp>
+    </p:spTree>
+    <p:extLst>
+      <p:ext uri="{BB962C8B-B14F-4D97-AF65-F5344CB8AC3E}">
+        <p14:creationId xmlns:p14="http://schemas.microsoft.com/office/powerpoint/2010/main" val="2317459621"/>
+      </p:ext>
+    </p:extLst>
+  </p:cSld>
+  <p:clrMapOvr>
+    <a:masterClrMapping/>
+  </p:clrMapOvr>
+</p:notes>
+</file>
+
+<file path=ppt/notesSlides/notesSlide2.xml><?xml version="1.0" encoding="utf-8"?>
+<p:notes xmlns:a="http://schemas.openxmlformats.org/drawingml/2006/main" xmlns:r="http://schemas.openxmlformats.org/officeDocument/2006/relationships" xmlns:p="http://schemas.openxmlformats.org/presentationml/2006/main">
+  <p:cSld>
+    <p:spTree>
+      <p:nvGrpSpPr>
+        <p:cNvPr id="1" name=""/>
+        <p:cNvGrpSpPr/>
+        <p:nvPr/>
+      </p:nvGrpSpPr>
+      <p:grpSpPr>
+        <a:xfrm>
+          <a:off x="0" y="0"/>
+          <a:ext cx="0" cy="0"/>
+          <a:chOff x="0" y="0"/>
+          <a:chExt cx="0" cy="0"/>
+        </a:xfrm>
+      </p:grpSpPr>
+      <p:sp>
+        <p:nvSpPr>
+          <p:cNvPr id="2" name="슬라이드 이미지 개체 틀 1"/>
+          <p:cNvSpPr>
+            <a:spLocks noGrp="1" noRot="1" noChangeAspect="1"/>
+          </p:cNvSpPr>
+          <p:nvPr>
+            <p:ph type="sldImg"/>
+          </p:nvPr>
+        </p:nvSpPr>
+        <p:spPr/>
+      </p:sp>
+      <p:sp>
+        <p:nvSpPr>
+          <p:cNvPr id="3" name="슬라이드 노트 개체 틀 2"/>
+          <p:cNvSpPr>
+            <a:spLocks noGrp="1"/>
+          </p:cNvSpPr>
+          <p:nvPr>
+            <p:ph type="body" idx="1"/>
+          </p:nvPr>
+        </p:nvSpPr>
+        <p:spPr/>
+        <p:txBody>
+          <a:bodyPr/>
+          <a:lstStyle/>
+          <a:p>
+            <a:endParaRPr kumimoji="1" lang="ko-KR" altLang="en-US" dirty="0"/>
+          </a:p>
+        </p:txBody>
+      </p:sp>
+      <p:sp>
+        <p:nvSpPr>
+          <p:cNvPr id="4" name="슬라이드 번호 개체 틀 3"/>
+          <p:cNvSpPr>
+            <a:spLocks noGrp="1"/>
+          </p:cNvSpPr>
+          <p:nvPr>
+            <p:ph type="sldNum" sz="quarter" idx="5"/>
+          </p:nvPr>
+        </p:nvSpPr>
+        <p:spPr/>
+        <p:txBody>
+          <a:bodyPr/>
+          <a:lstStyle/>
+          <a:p>
+            <a:fld id="{DD45A7AC-50CE-FC4F-B919-22F00DC46170}" type="slidenum">
+              <a:rPr kumimoji="1" lang="ko-KR" altLang="en-US" smtClean="0"/>
+              <a:t>45</a:t>
+            </a:fld>
+            <a:endParaRPr kumimoji="1" lang="ko-KR" altLang="en-US"/>
+          </a:p>
+        </p:txBody>
+      </p:sp>
+    </p:spTree>
+    <p:extLst>
+      <p:ext uri="{BB962C8B-B14F-4D97-AF65-F5344CB8AC3E}">
+        <p14:creationId xmlns:p14="http://schemas.microsoft.com/office/powerpoint/2010/main" val="214552206"/>
+      </p:ext>
+    </p:extLst>
+  </p:cSld>
+  <p:clrMapOvr>
+    <a:masterClrMapping/>
+  </p:clrMapOvr>
+</p:notes>
+</file>
+
+<file path=ppt/notesSlides/notesSlide3.xml><?xml version="1.0" encoding="utf-8"?>
+<p:notes xmlns:a="http://schemas.openxmlformats.org/drawingml/2006/main" xmlns:r="http://schemas.openxmlformats.org/officeDocument/2006/relationships" xmlns:p="http://schemas.openxmlformats.org/presentationml/2006/main">
+  <p:cSld>
+    <p:spTree>
+      <p:nvGrpSpPr>
+        <p:cNvPr id="1" name=""/>
+        <p:cNvGrpSpPr/>
+        <p:nvPr/>
+      </p:nvGrpSpPr>
+      <p:grpSpPr>
+        <a:xfrm>
+          <a:off x="0" y="0"/>
+          <a:ext cx="0" cy="0"/>
+          <a:chOff x="0" y="0"/>
+          <a:chExt cx="0" cy="0"/>
+        </a:xfrm>
+      </p:grpSpPr>
+      <p:sp>
+        <p:nvSpPr>
+          <p:cNvPr id="2" name="슬라이드 이미지 개체 틀 1"/>
+          <p:cNvSpPr>
+            <a:spLocks noGrp="1" noRot="1" noChangeAspect="1"/>
+          </p:cNvSpPr>
+          <p:nvPr>
+            <p:ph type="sldImg"/>
+          </p:nvPr>
+        </p:nvSpPr>
+        <p:spPr/>
+      </p:sp>
+      <p:sp>
+        <p:nvSpPr>
+          <p:cNvPr id="3" name="슬라이드 노트 개체 틀 2"/>
+          <p:cNvSpPr>
+            <a:spLocks noGrp="1"/>
+          </p:cNvSpPr>
+          <p:nvPr>
+            <p:ph type="body" idx="1"/>
+          </p:nvPr>
+        </p:nvSpPr>
+        <p:spPr/>
+        <p:txBody>
+          <a:bodyPr/>
+          <a:lstStyle/>
+          <a:p>
+            <a:endParaRPr kumimoji="1" lang="ko-KR" altLang="en-US" dirty="0"/>
+          </a:p>
+        </p:txBody>
+      </p:sp>
+      <p:sp>
+        <p:nvSpPr>
+          <p:cNvPr id="4" name="슬라이드 번호 개체 틀 3"/>
+          <p:cNvSpPr>
+            <a:spLocks noGrp="1"/>
+          </p:cNvSpPr>
+          <p:nvPr>
+            <p:ph type="sldNum" sz="quarter" idx="5"/>
+          </p:nvPr>
+        </p:nvSpPr>
+        <p:spPr/>
+        <p:txBody>
+          <a:bodyPr/>
+          <a:lstStyle/>
+          <a:p>
+            <a:fld id="{DD45A7AC-50CE-FC4F-B919-22F00DC46170}" type="slidenum">
+              <a:rPr kumimoji="1" lang="ko-KR" altLang="en-US" smtClean="0"/>
+              <a:t>46</a:t>
+            </a:fld>
+            <a:endParaRPr kumimoji="1" lang="ko-KR" altLang="en-US"/>
+          </a:p>
+        </p:txBody>
+      </p:sp>
+    </p:spTree>
+    <p:extLst>
+      <p:ext uri="{BB962C8B-B14F-4D97-AF65-F5344CB8AC3E}">
+        <p14:creationId xmlns:p14="http://schemas.microsoft.com/office/powerpoint/2010/main" val="2964215785"/>
+      </p:ext>
+    </p:extLst>
+  </p:cSld>
+  <p:clrMapOvr>
+    <a:masterClrMapping/>
+  </p:clrMapOvr>
+</p:notes>
+</file>
+
+<file path=ppt/notesSlides/notesSlide4.xml><?xml version="1.0" encoding="utf-8"?>
+<p:notes xmlns:a="http://schemas.openxmlformats.org/drawingml/2006/main" xmlns:r="http://schemas.openxmlformats.org/officeDocument/2006/relationships" xmlns:p="http://schemas.openxmlformats.org/presentationml/2006/main">
+  <p:cSld>
+    <p:spTree>
+      <p:nvGrpSpPr>
+        <p:cNvPr id="1" name=""/>
+        <p:cNvGrpSpPr/>
+        <p:nvPr/>
+      </p:nvGrpSpPr>
+      <p:grpSpPr>
+        <a:xfrm>
+          <a:off x="0" y="0"/>
+          <a:ext cx="0" cy="0"/>
+          <a:chOff x="0" y="0"/>
+          <a:chExt cx="0" cy="0"/>
+        </a:xfrm>
+      </p:grpSpPr>
+      <p:sp>
+        <p:nvSpPr>
+          <p:cNvPr id="2" name="슬라이드 이미지 개체 틀 1"/>
+          <p:cNvSpPr>
+            <a:spLocks noGrp="1" noRot="1" noChangeAspect="1"/>
+          </p:cNvSpPr>
+          <p:nvPr>
+            <p:ph type="sldImg"/>
+          </p:nvPr>
+        </p:nvSpPr>
+        <p:spPr/>
+      </p:sp>
+      <p:sp>
+        <p:nvSpPr>
+          <p:cNvPr id="3" name="슬라이드 노트 개체 틀 2"/>
+          <p:cNvSpPr>
+            <a:spLocks noGrp="1"/>
+          </p:cNvSpPr>
+          <p:nvPr>
+            <p:ph type="body" idx="1"/>
+          </p:nvPr>
+        </p:nvSpPr>
+        <p:spPr/>
+        <p:txBody>
+          <a:bodyPr/>
+          <a:lstStyle/>
+          <a:p>
+            <a:endParaRPr kumimoji="1" lang="ko-KR" altLang="en-US" dirty="0"/>
+          </a:p>
+        </p:txBody>
+      </p:sp>
+      <p:sp>
+        <p:nvSpPr>
+          <p:cNvPr id="4" name="슬라이드 번호 개체 틀 3"/>
+          <p:cNvSpPr>
+            <a:spLocks noGrp="1"/>
+          </p:cNvSpPr>
+          <p:nvPr>
+            <p:ph type="sldNum" sz="quarter" idx="5"/>
+          </p:nvPr>
+        </p:nvSpPr>
+        <p:spPr/>
+        <p:txBody>
+          <a:bodyPr/>
+          <a:lstStyle/>
+          <a:p>
+            <a:fld id="{DD45A7AC-50CE-FC4F-B919-22F00DC46170}" type="slidenum">
+              <a:rPr kumimoji="1" lang="ko-KR" altLang="en-US" smtClean="0"/>
+              <a:t>47</a:t>
+            </a:fld>
+            <a:endParaRPr kumimoji="1" lang="ko-KR" altLang="en-US"/>
+          </a:p>
+        </p:txBody>
+      </p:sp>
+    </p:spTree>
+    <p:extLst>
+      <p:ext uri="{BB962C8B-B14F-4D97-AF65-F5344CB8AC3E}">
+        <p14:creationId xmlns:p14="http://schemas.microsoft.com/office/powerpoint/2010/main" val="1601552641"/>
+      </p:ext>
+    </p:extLst>
+  </p:cSld>
+  <p:clrMapOvr>
+    <a:masterClrMapping/>
+  </p:clrMapOvr>
+</p:notes>
+</file>
+
+<file path=ppt/notesSlides/notesSlide5.xml><?xml version="1.0" encoding="utf-8"?>
+<p:notes xmlns:a="http://schemas.openxmlformats.org/drawingml/2006/main" xmlns:r="http://schemas.openxmlformats.org/officeDocument/2006/relationships" xmlns:p="http://schemas.openxmlformats.org/presentationml/2006/main">
+  <p:cSld>
+    <p:spTree>
+      <p:nvGrpSpPr>
+        <p:cNvPr id="1" name=""/>
+        <p:cNvGrpSpPr/>
+        <p:nvPr/>
+      </p:nvGrpSpPr>
+      <p:grpSpPr>
+        <a:xfrm>
+          <a:off x="0" y="0"/>
+          <a:ext cx="0" cy="0"/>
+          <a:chOff x="0" y="0"/>
+          <a:chExt cx="0" cy="0"/>
+        </a:xfrm>
+      </p:grpSpPr>
+      <p:sp>
+        <p:nvSpPr>
+          <p:cNvPr id="2" name="슬라이드 이미지 개체 틀 1"/>
+          <p:cNvSpPr>
+            <a:spLocks noGrp="1" noRot="1" noChangeAspect="1"/>
+          </p:cNvSpPr>
+          <p:nvPr>
+            <p:ph type="sldImg"/>
+          </p:nvPr>
+        </p:nvSpPr>
+        <p:spPr/>
+      </p:sp>
+      <p:sp>
+        <p:nvSpPr>
+          <p:cNvPr id="3" name="슬라이드 노트 개체 틀 2"/>
+          <p:cNvSpPr>
+            <a:spLocks noGrp="1"/>
+          </p:cNvSpPr>
+          <p:nvPr>
+            <p:ph type="body" idx="1"/>
+          </p:nvPr>
+        </p:nvSpPr>
+        <p:spPr/>
+        <p:txBody>
+          <a:bodyPr/>
+          <a:lstStyle/>
+          <a:p>
+            <a:endParaRPr kumimoji="1" lang="ko-KR" altLang="en-US" dirty="0"/>
+          </a:p>
+        </p:txBody>
+      </p:sp>
+      <p:sp>
+        <p:nvSpPr>
+          <p:cNvPr id="4" name="슬라이드 번호 개체 틀 3"/>
+          <p:cNvSpPr>
+            <a:spLocks noGrp="1"/>
+          </p:cNvSpPr>
+          <p:nvPr>
+            <p:ph type="sldNum" sz="quarter" idx="5"/>
+          </p:nvPr>
+        </p:nvSpPr>
+        <p:spPr/>
+        <p:txBody>
+          <a:bodyPr/>
+          <a:lstStyle/>
+          <a:p>
+            <a:fld id="{DD45A7AC-50CE-FC4F-B919-22F00DC46170}" type="slidenum">
+              <a:rPr kumimoji="1" lang="ko-KR" altLang="en-US" smtClean="0"/>
+              <a:t>48</a:t>
+            </a:fld>
+            <a:endParaRPr kumimoji="1" lang="ko-KR" altLang="en-US"/>
+          </a:p>
+        </p:txBody>
+      </p:sp>
+    </p:spTree>
+    <p:extLst>
+      <p:ext uri="{BB962C8B-B14F-4D97-AF65-F5344CB8AC3E}">
+        <p14:creationId xmlns:p14="http://schemas.microsoft.com/office/powerpoint/2010/main" val="3314566836"/>
+      </p:ext>
+    </p:extLst>
+  </p:cSld>
+  <p:clrMapOvr>
+    <a:masterClrMapping/>
+  </p:clrMapOvr>
+</p:notes>
+</file>
+
+<file path=ppt/notesSlides/notesSlide6.xml><?xml version="1.0" encoding="utf-8"?>
+<p:notes xmlns:a="http://schemas.openxmlformats.org/drawingml/2006/main" xmlns:r="http://schemas.openxmlformats.org/officeDocument/2006/relationships" xmlns:p="http://schemas.openxmlformats.org/presentationml/2006/main">
+  <p:cSld>
+    <p:spTree>
+      <p:nvGrpSpPr>
+        <p:cNvPr id="1" name=""/>
+        <p:cNvGrpSpPr/>
+        <p:nvPr/>
+      </p:nvGrpSpPr>
+      <p:grpSpPr>
+        <a:xfrm>
+          <a:off x="0" y="0"/>
+          <a:ext cx="0" cy="0"/>
+          <a:chOff x="0" y="0"/>
+          <a:chExt cx="0" cy="0"/>
+        </a:xfrm>
+      </p:grpSpPr>
+      <p:sp>
+        <p:nvSpPr>
+          <p:cNvPr id="2" name="슬라이드 이미지 개체 틀 1"/>
+          <p:cNvSpPr>
+            <a:spLocks noGrp="1" noRot="1" noChangeAspect="1"/>
+          </p:cNvSpPr>
+          <p:nvPr>
+            <p:ph type="sldImg"/>
+          </p:nvPr>
+        </p:nvSpPr>
+        <p:spPr/>
+      </p:sp>
+      <p:sp>
+        <p:nvSpPr>
+          <p:cNvPr id="3" name="슬라이드 노트 개체 틀 2"/>
+          <p:cNvSpPr>
+            <a:spLocks noGrp="1"/>
+          </p:cNvSpPr>
+          <p:nvPr>
+            <p:ph type="body" idx="1"/>
+          </p:nvPr>
+        </p:nvSpPr>
+        <p:spPr/>
+        <p:txBody>
+          <a:bodyPr/>
+          <a:lstStyle/>
+          <a:p>
+            <a:endParaRPr kumimoji="1" lang="ko-KR" altLang="en-US" dirty="0"/>
+          </a:p>
+        </p:txBody>
+      </p:sp>
+      <p:sp>
+        <p:nvSpPr>
+          <p:cNvPr id="4" name="슬라이드 번호 개체 틀 3"/>
+          <p:cNvSpPr>
+            <a:spLocks noGrp="1"/>
+          </p:cNvSpPr>
+          <p:nvPr>
+            <p:ph type="sldNum" sz="quarter" idx="5"/>
+          </p:nvPr>
+        </p:nvSpPr>
+        <p:spPr/>
+        <p:txBody>
+          <a:bodyPr/>
+          <a:lstStyle/>
+          <a:p>
+            <a:fld id="{DD45A7AC-50CE-FC4F-B919-22F00DC46170}" type="slidenum">
+              <a:rPr kumimoji="1" lang="ko-KR" altLang="en-US" smtClean="0"/>
+              <a:t>49</a:t>
+            </a:fld>
+            <a:endParaRPr kumimoji="1" lang="ko-KR" altLang="en-US"/>
+          </a:p>
+        </p:txBody>
+      </p:sp>
+    </p:spTree>
+    <p:extLst>
+      <p:ext uri="{BB962C8B-B14F-4D97-AF65-F5344CB8AC3E}">
+        <p14:creationId xmlns:p14="http://schemas.microsoft.com/office/powerpoint/2010/main" val="4101821298"/>
+      </p:ext>
+    </p:extLst>
+  </p:cSld>
+  <p:clrMapOvr>
+    <a:masterClrMapping/>
+  </p:clrMapOvr>
+</p:notes>
+</file>
+
 <file path=ppt/slideLayouts/slideLayout1.xml><?xml version="1.0" encoding="utf-8"?>
 <p:sldLayout xmlns:a="http://schemas.openxmlformats.org/drawingml/2006/main" xmlns:r="http://schemas.openxmlformats.org/officeDocument/2006/relationships" xmlns:p="http://schemas.openxmlformats.org/presentationml/2006/main" type="title" preserve="1">
   <p:cSld name="제목 슬라이드">
@@ -286,7 +1147,7 @@
           <a:p>
             <a:fld id="{88AA6F09-31A1-BB45-AA6F-51DDBF1E2F2F}" type="datetimeFigureOut">
               <a:rPr kumimoji="1" lang="ko-KR" altLang="en-US" smtClean="0"/>
-              <a:t>2019. 3. 16.</a:t>
+              <a:t>2019. 3. 17.</a:t>
             </a:fld>
             <a:endParaRPr kumimoji="1" lang="ko-KR" altLang="en-US"/>
           </a:p>
@@ -432,7 +1293,7 @@
           <a:p>
             <a:fld id="{88AA6F09-31A1-BB45-AA6F-51DDBF1E2F2F}" type="datetimeFigureOut">
               <a:rPr kumimoji="1" lang="ko-KR" altLang="en-US" smtClean="0"/>
-              <a:t>2019. 3. 16.</a:t>
+              <a:t>2019. 3. 17.</a:t>
             </a:fld>
             <a:endParaRPr kumimoji="1" lang="ko-KR" altLang="en-US"/>
           </a:p>
@@ -588,7 +1449,7 @@
           <a:p>
             <a:fld id="{88AA6F09-31A1-BB45-AA6F-51DDBF1E2F2F}" type="datetimeFigureOut">
               <a:rPr kumimoji="1" lang="ko-KR" altLang="en-US" smtClean="0"/>
-              <a:t>2019. 3. 16.</a:t>
+              <a:t>2019. 3. 17.</a:t>
             </a:fld>
             <a:endParaRPr kumimoji="1" lang="ko-KR" altLang="en-US"/>
           </a:p>
@@ -734,7 +1595,7 @@
           <a:p>
             <a:fld id="{88AA6F09-31A1-BB45-AA6F-51DDBF1E2F2F}" type="datetimeFigureOut">
               <a:rPr kumimoji="1" lang="ko-KR" altLang="en-US" smtClean="0"/>
-              <a:t>2019. 3. 16.</a:t>
+              <a:t>2019. 3. 17.</a:t>
             </a:fld>
             <a:endParaRPr kumimoji="1" lang="ko-KR" altLang="en-US"/>
           </a:p>
@@ -983,7 +1844,7 @@
           <a:p>
             <a:fld id="{88AA6F09-31A1-BB45-AA6F-51DDBF1E2F2F}" type="datetimeFigureOut">
               <a:rPr kumimoji="1" lang="ko-KR" altLang="en-US" smtClean="0"/>
-              <a:t>2019. 3. 16.</a:t>
+              <a:t>2019. 3. 17.</a:t>
             </a:fld>
             <a:endParaRPr kumimoji="1" lang="ko-KR" altLang="en-US"/>
           </a:p>
@@ -1167,7 +2028,7 @@
           <a:p>
             <a:fld id="{88AA6F09-31A1-BB45-AA6F-51DDBF1E2F2F}" type="datetimeFigureOut">
               <a:rPr kumimoji="1" lang="ko-KR" altLang="en-US" smtClean="0"/>
-              <a:t>2019. 3. 16.</a:t>
+              <a:t>2019. 3. 17.</a:t>
             </a:fld>
             <a:endParaRPr kumimoji="1" lang="ko-KR" altLang="en-US"/>
           </a:p>
@@ -1496,7 +2357,7 @@
           <a:p>
             <a:fld id="{88AA6F09-31A1-BB45-AA6F-51DDBF1E2F2F}" type="datetimeFigureOut">
               <a:rPr kumimoji="1" lang="ko-KR" altLang="en-US" smtClean="0"/>
-              <a:t>2019. 3. 16.</a:t>
+              <a:t>2019. 3. 17.</a:t>
             </a:fld>
             <a:endParaRPr kumimoji="1" lang="ko-KR" altLang="en-US"/>
           </a:p>
@@ -1614,7 +2475,7 @@
           <a:p>
             <a:fld id="{88AA6F09-31A1-BB45-AA6F-51DDBF1E2F2F}" type="datetimeFigureOut">
               <a:rPr kumimoji="1" lang="ko-KR" altLang="en-US" smtClean="0"/>
-              <a:t>2019. 3. 16.</a:t>
+              <a:t>2019. 3. 17.</a:t>
             </a:fld>
             <a:endParaRPr kumimoji="1" lang="ko-KR" altLang="en-US"/>
           </a:p>
@@ -1709,7 +2570,7 @@
           <a:p>
             <a:fld id="{88AA6F09-31A1-BB45-AA6F-51DDBF1E2F2F}" type="datetimeFigureOut">
               <a:rPr kumimoji="1" lang="ko-KR" altLang="en-US" smtClean="0"/>
-              <a:t>2019. 3. 16.</a:t>
+              <a:t>2019. 3. 17.</a:t>
             </a:fld>
             <a:endParaRPr kumimoji="1" lang="ko-KR" altLang="en-US"/>
           </a:p>
@@ -1967,7 +2828,7 @@
           <a:p>
             <a:fld id="{88AA6F09-31A1-BB45-AA6F-51DDBF1E2F2F}" type="datetimeFigureOut">
               <a:rPr kumimoji="1" lang="ko-KR" altLang="en-US" smtClean="0"/>
-              <a:t>2019. 3. 16.</a:t>
+              <a:t>2019. 3. 17.</a:t>
             </a:fld>
             <a:endParaRPr kumimoji="1" lang="ko-KR" altLang="en-US"/>
           </a:p>
@@ -2229,7 +3090,7 @@
           <a:p>
             <a:fld id="{88AA6F09-31A1-BB45-AA6F-51DDBF1E2F2F}" type="datetimeFigureOut">
               <a:rPr kumimoji="1" lang="ko-KR" altLang="en-US" smtClean="0"/>
-              <a:t>2019. 3. 16.</a:t>
+              <a:t>2019. 3. 17.</a:t>
             </a:fld>
             <a:endParaRPr kumimoji="1" lang="ko-KR" altLang="en-US"/>
           </a:p>
@@ -2418,7 +3279,7 @@
           <a:p>
             <a:fld id="{88AA6F09-31A1-BB45-AA6F-51DDBF1E2F2F}" type="datetimeFigureOut">
               <a:rPr kumimoji="1" lang="ko-KR" altLang="en-US" smtClean="0"/>
-              <a:t>2019. 3. 16.</a:t>
+              <a:t>2019. 3. 17.</a:t>
             </a:fld>
             <a:endParaRPr kumimoji="1" lang="ko-KR" altLang="en-US"/>
           </a:p>
@@ -14967,7 +15828,7 @@
               <a:defRPr lang="ko-KR" altLang="en-US"/>
             </a:pPr>
             <a:r>
-              <a:rPr lang="en-US" altLang="ko-KR" sz="2851" u="sng">
+              <a:rPr lang="en-US" altLang="ko-KR" sz="2851" u="sng" dirty="0">
                 <a:solidFill>
                   <a:srgbClr val="0070C0"/>
                 </a:solidFill>
@@ -14975,16 +15836,8 @@
                 <a:ea typeface="함초롬돋움" panose="020B0604000101010101" pitchFamily="50" charset="-127"/>
                 <a:cs typeface="함초롬돋움" panose="020B0604000101010101" pitchFamily="50" charset="-127"/>
               </a:rPr>
-              <a:t>Intermediate RxCocoa</a:t>
-            </a:r>
-            <a:endParaRPr lang="en-US" altLang="ko-KR" sz="2851" u="sng" dirty="0">
-              <a:solidFill>
-                <a:srgbClr val="0070C0"/>
-              </a:solidFill>
-              <a:latin typeface="함초롬돋움" panose="020B0604000101010101" pitchFamily="50" charset="-127"/>
-              <a:ea typeface="함초롬돋움" panose="020B0604000101010101" pitchFamily="50" charset="-127"/>
-              <a:cs typeface="함초롬돋움" panose="020B0604000101010101" pitchFamily="50" charset="-127"/>
-            </a:endParaRPr>
+              <a:t>Schedulers</a:t>
+            </a:r>
           </a:p>
         </p:txBody>
       </p:sp>
@@ -14993,7 +15846,7 @@
           <p:cNvPr id="2" name="TextBox 1">
             <a:extLst>
               <a:ext uri="{FF2B5EF4-FFF2-40B4-BE49-F238E27FC236}">
-                <a16:creationId xmlns:a16="http://schemas.microsoft.com/office/drawing/2014/main" id="{A86DFB63-9FE0-C944-A6E6-A64DB4B81AB6}"/>
+                <a16:creationId xmlns:a16="http://schemas.microsoft.com/office/drawing/2014/main" id="{B9CE47CE-FACF-BB4A-8950-CA92C83168AA}"/>
               </a:ext>
             </a:extLst>
           </p:cNvPr>
@@ -15002,8 +15855,8 @@
         </p:nvSpPr>
         <p:spPr>
           <a:xfrm>
-            <a:off x="285689" y="1069675"/>
-            <a:ext cx="5588900" cy="2359325"/>
+            <a:off x="603849" y="931653"/>
+            <a:ext cx="8600536" cy="1200329"/>
           </a:xfrm>
           <a:prstGeom prst="rect">
             <a:avLst/>
@@ -15016,6 +15869,820 @@
           </a:bodyPr>
           <a:lstStyle/>
           <a:p>
+            <a:r>
+              <a:rPr kumimoji="1" lang="en-US" altLang="ko-KR" dirty="0"/>
+              <a:t>Scheduler</a:t>
+            </a:r>
+            <a:r>
+              <a:rPr kumimoji="1" lang="ko-KR" altLang="en-US" dirty="0"/>
+              <a:t>는 </a:t>
+            </a:r>
+            <a:r>
+              <a:rPr kumimoji="1" lang="en-US" altLang="ko-KR" dirty="0"/>
+              <a:t>process</a:t>
+            </a:r>
+            <a:r>
+              <a:rPr kumimoji="1" lang="ko-KR" altLang="en-US" dirty="0"/>
+              <a:t>가 동작하는 </a:t>
+            </a:r>
+            <a:r>
+              <a:rPr kumimoji="1" lang="en-US" altLang="ko-KR" dirty="0"/>
+              <a:t>context</a:t>
+            </a:r>
+            <a:r>
+              <a:rPr kumimoji="1" lang="ko-KR" altLang="en-US" dirty="0"/>
+              <a:t>이다</a:t>
+            </a:r>
+            <a:endParaRPr kumimoji="1" lang="en-US" altLang="ko-KR" dirty="0"/>
+          </a:p>
+          <a:p>
+            <a:r>
+              <a:rPr kumimoji="1" lang="en-US" altLang="ko-KR" dirty="0"/>
+              <a:t>Context</a:t>
+            </a:r>
+            <a:r>
+              <a:rPr kumimoji="1" lang="ko-KR" altLang="en-US" dirty="0"/>
+              <a:t>는 </a:t>
+            </a:r>
+            <a:r>
+              <a:rPr kumimoji="1" lang="en-US" altLang="ko-KR" dirty="0"/>
+              <a:t> thread, </a:t>
+            </a:r>
+            <a:r>
+              <a:rPr kumimoji="1" lang="en-US" altLang="ko-KR" dirty="0" err="1"/>
+              <a:t>dispatchQueue</a:t>
+            </a:r>
+            <a:r>
+              <a:rPr kumimoji="1" lang="en-US" altLang="ko-KR" dirty="0"/>
+              <a:t>, </a:t>
+            </a:r>
+            <a:r>
+              <a:rPr kumimoji="1" lang="ko-KR" altLang="en-US" dirty="0"/>
+              <a:t>또는 비슷한 </a:t>
+            </a:r>
+            <a:r>
+              <a:rPr kumimoji="1" lang="ko-KR" altLang="en-US" dirty="0" err="1"/>
+              <a:t>엔터티</a:t>
+            </a:r>
+            <a:r>
+              <a:rPr kumimoji="1" lang="ko-KR" altLang="en-US" dirty="0"/>
+              <a:t> 들이 될 수 있다</a:t>
+            </a:r>
+            <a:r>
+              <a:rPr kumimoji="1" lang="en-US" altLang="ko-KR" dirty="0"/>
+              <a:t>.</a:t>
+            </a:r>
+          </a:p>
+          <a:p>
+            <a:r>
+              <a:rPr kumimoji="1" lang="en-US" altLang="ko-KR" dirty="0"/>
+              <a:t>Rx</a:t>
+            </a:r>
+            <a:r>
+              <a:rPr kumimoji="1" lang="ko-KR" altLang="en-US" dirty="0"/>
+              <a:t>는 </a:t>
+            </a:r>
+            <a:r>
+              <a:rPr kumimoji="1" lang="en-US" altLang="ko-KR" dirty="0"/>
+              <a:t>Thread-Safe </a:t>
+            </a:r>
+            <a:r>
+              <a:rPr kumimoji="1" lang="ko-KR" altLang="en-US" dirty="0"/>
+              <a:t>한 데이터에 관해서는 언제든 </a:t>
+            </a:r>
+            <a:r>
+              <a:rPr kumimoji="1" lang="en-US" altLang="ko-KR" dirty="0"/>
+              <a:t>Scheduler Switching</a:t>
+            </a:r>
+            <a:r>
+              <a:rPr kumimoji="1" lang="ko-KR" altLang="en-US" dirty="0"/>
+              <a:t>을 할 수 있다</a:t>
+            </a:r>
+          </a:p>
+          <a:p>
+            <a:endParaRPr kumimoji="1" lang="en-US" altLang="ko-KR" dirty="0"/>
+          </a:p>
+        </p:txBody>
+      </p:sp>
+      <p:sp>
+        <p:nvSpPr>
+          <p:cNvPr id="3" name="TextBox 2">
+            <a:extLst>
+              <a:ext uri="{FF2B5EF4-FFF2-40B4-BE49-F238E27FC236}">
+                <a16:creationId xmlns:a16="http://schemas.microsoft.com/office/drawing/2014/main" id="{4CA05F34-5BEE-2A43-83EB-4CA6C037A861}"/>
+              </a:ext>
+            </a:extLst>
+          </p:cNvPr>
+          <p:cNvSpPr txBox="1"/>
+          <p:nvPr/>
+        </p:nvSpPr>
+        <p:spPr>
+          <a:xfrm>
+            <a:off x="543464" y="1871931"/>
+            <a:ext cx="3045125" cy="369332"/>
+          </a:xfrm>
+          <a:prstGeom prst="rect">
+            <a:avLst/>
+          </a:prstGeom>
+          <a:noFill/>
+        </p:spPr>
+        <p:txBody>
+          <a:bodyPr wrap="square" rtlCol="0">
+            <a:spAutoFit/>
+          </a:bodyPr>
+          <a:lstStyle/>
+          <a:p>
+            <a:r>
+              <a:rPr kumimoji="1" lang="en-US" altLang="ko-KR" dirty="0"/>
+              <a:t>Scheduler</a:t>
+            </a:r>
+            <a:r>
+              <a:rPr kumimoji="1" lang="ko-KR" altLang="en-US" dirty="0"/>
+              <a:t>의 사용 예</a:t>
+            </a:r>
+          </a:p>
+        </p:txBody>
+      </p:sp>
+      <p:sp>
+        <p:nvSpPr>
+          <p:cNvPr id="6" name="모서리가 둥근 직사각형 5">
+            <a:extLst>
+              <a:ext uri="{FF2B5EF4-FFF2-40B4-BE49-F238E27FC236}">
+                <a16:creationId xmlns:a16="http://schemas.microsoft.com/office/drawing/2014/main" id="{88AF2D37-E008-CC4E-B04F-FD80DD84C3C6}"/>
+              </a:ext>
+            </a:extLst>
+          </p:cNvPr>
+          <p:cNvSpPr/>
+          <p:nvPr/>
+        </p:nvSpPr>
+        <p:spPr>
+          <a:xfrm>
+            <a:off x="603849" y="2704381"/>
+            <a:ext cx="3968151" cy="1449237"/>
+          </a:xfrm>
+          <a:prstGeom prst="roundRect">
+            <a:avLst/>
+          </a:prstGeom>
+        </p:spPr>
+        <p:style>
+          <a:lnRef idx="2">
+            <a:schemeClr val="accent1">
+              <a:shade val="50000"/>
+            </a:schemeClr>
+          </a:lnRef>
+          <a:fillRef idx="1">
+            <a:schemeClr val="accent1"/>
+          </a:fillRef>
+          <a:effectRef idx="0">
+            <a:schemeClr val="accent1"/>
+          </a:effectRef>
+          <a:fontRef idx="minor">
+            <a:schemeClr val="lt1"/>
+          </a:fontRef>
+        </p:style>
+        <p:txBody>
+          <a:bodyPr rtlCol="0" anchor="ctr"/>
+          <a:lstStyle/>
+          <a:p>
+            <a:pPr algn="ctr"/>
+            <a:endParaRPr kumimoji="1" lang="ko-KR" altLang="en-US"/>
+          </a:p>
+        </p:txBody>
+      </p:sp>
+      <p:sp>
+        <p:nvSpPr>
+          <p:cNvPr id="7" name="TextBox 6">
+            <a:extLst>
+              <a:ext uri="{FF2B5EF4-FFF2-40B4-BE49-F238E27FC236}">
+                <a16:creationId xmlns:a16="http://schemas.microsoft.com/office/drawing/2014/main" id="{DD5FE851-6D97-6948-B23B-F0C2839000E3}"/>
+              </a:ext>
+            </a:extLst>
+          </p:cNvPr>
+          <p:cNvSpPr txBox="1"/>
+          <p:nvPr/>
+        </p:nvSpPr>
+        <p:spPr>
+          <a:xfrm>
+            <a:off x="1449238" y="2812211"/>
+            <a:ext cx="2277373" cy="369332"/>
+          </a:xfrm>
+          <a:prstGeom prst="rect">
+            <a:avLst/>
+          </a:prstGeom>
+          <a:noFill/>
+        </p:spPr>
+        <p:txBody>
+          <a:bodyPr wrap="square" rtlCol="0">
+            <a:spAutoFit/>
+          </a:bodyPr>
+          <a:lstStyle/>
+          <a:p>
+            <a:r>
+              <a:rPr kumimoji="1" lang="en-US" altLang="ko-KR" dirty="0">
+                <a:solidFill>
+                  <a:schemeClr val="bg1"/>
+                </a:solidFill>
+              </a:rPr>
+              <a:t>Background</a:t>
+            </a:r>
+            <a:r>
+              <a:rPr kumimoji="1" lang="ko-KR" altLang="en-US" dirty="0">
+                <a:solidFill>
+                  <a:schemeClr val="bg1"/>
+                </a:solidFill>
+              </a:rPr>
+              <a:t> </a:t>
+            </a:r>
+            <a:r>
+              <a:rPr kumimoji="1" lang="en-US" altLang="ko-KR" dirty="0">
+                <a:solidFill>
+                  <a:schemeClr val="bg1"/>
+                </a:solidFill>
+              </a:rPr>
+              <a:t>Scheduler</a:t>
+            </a:r>
+            <a:endParaRPr kumimoji="1" lang="ko-KR" altLang="en-US" dirty="0">
+              <a:solidFill>
+                <a:schemeClr val="bg1"/>
+              </a:solidFill>
+            </a:endParaRPr>
+          </a:p>
+        </p:txBody>
+      </p:sp>
+      <p:sp>
+        <p:nvSpPr>
+          <p:cNvPr id="11" name="TextBox 10">
+            <a:extLst>
+              <a:ext uri="{FF2B5EF4-FFF2-40B4-BE49-F238E27FC236}">
+                <a16:creationId xmlns:a16="http://schemas.microsoft.com/office/drawing/2014/main" id="{AF4CFA57-E754-1E44-BFC3-2EC68A6AE01D}"/>
+              </a:ext>
+            </a:extLst>
+          </p:cNvPr>
+          <p:cNvSpPr txBox="1"/>
+          <p:nvPr/>
+        </p:nvSpPr>
+        <p:spPr>
+          <a:xfrm>
+            <a:off x="957531" y="3287769"/>
+            <a:ext cx="1108495" cy="646331"/>
+          </a:xfrm>
+          <a:prstGeom prst="rect">
+            <a:avLst/>
+          </a:prstGeom>
+          <a:noFill/>
+        </p:spPr>
+        <p:txBody>
+          <a:bodyPr wrap="square" rtlCol="0">
+            <a:spAutoFit/>
+          </a:bodyPr>
+          <a:lstStyle/>
+          <a:p>
+            <a:r>
+              <a:rPr kumimoji="1" lang="en-US" altLang="ko-KR" dirty="0">
+                <a:solidFill>
+                  <a:schemeClr val="bg1"/>
+                </a:solidFill>
+              </a:rPr>
+              <a:t>Network</a:t>
+            </a:r>
+          </a:p>
+          <a:p>
+            <a:r>
+              <a:rPr kumimoji="1" lang="en-US" altLang="ko-KR" dirty="0">
+                <a:solidFill>
+                  <a:schemeClr val="bg1"/>
+                </a:solidFill>
+              </a:rPr>
+              <a:t>request</a:t>
+            </a:r>
+            <a:endParaRPr kumimoji="1" lang="ko-KR" altLang="en-US" dirty="0">
+              <a:solidFill>
+                <a:schemeClr val="bg1"/>
+              </a:solidFill>
+            </a:endParaRPr>
+          </a:p>
+        </p:txBody>
+      </p:sp>
+      <p:cxnSp>
+        <p:nvCxnSpPr>
+          <p:cNvPr id="13" name="직선 화살표 연결선 12">
+            <a:extLst>
+              <a:ext uri="{FF2B5EF4-FFF2-40B4-BE49-F238E27FC236}">
+                <a16:creationId xmlns:a16="http://schemas.microsoft.com/office/drawing/2014/main" id="{90450BBB-922E-5F45-9021-CC78AA73E7C7}"/>
+              </a:ext>
+            </a:extLst>
+          </p:cNvPr>
+          <p:cNvCxnSpPr>
+            <a:cxnSpLocks/>
+            <a:endCxn id="14" idx="1"/>
+          </p:cNvCxnSpPr>
+          <p:nvPr/>
+        </p:nvCxnSpPr>
+        <p:spPr>
+          <a:xfrm>
+            <a:off x="1968978" y="3634073"/>
+            <a:ext cx="1194759" cy="6218"/>
+          </a:xfrm>
+          <a:prstGeom prst="straightConnector1">
+            <a:avLst/>
+          </a:prstGeom>
+          <a:ln w="28575">
+            <a:solidFill>
+              <a:schemeClr val="tx1">
+                <a:lumMod val="95000"/>
+                <a:lumOff val="5000"/>
+              </a:schemeClr>
+            </a:solidFill>
+            <a:tailEnd type="triangle"/>
+          </a:ln>
+        </p:spPr>
+        <p:style>
+          <a:lnRef idx="1">
+            <a:schemeClr val="accent1"/>
+          </a:lnRef>
+          <a:fillRef idx="0">
+            <a:schemeClr val="accent1"/>
+          </a:fillRef>
+          <a:effectRef idx="0">
+            <a:schemeClr val="accent1"/>
+          </a:effectRef>
+          <a:fontRef idx="minor">
+            <a:schemeClr val="tx1"/>
+          </a:fontRef>
+        </p:style>
+      </p:cxnSp>
+      <p:sp>
+        <p:nvSpPr>
+          <p:cNvPr id="14" name="모서리가 둥근 직사각형 13">
+            <a:extLst>
+              <a:ext uri="{FF2B5EF4-FFF2-40B4-BE49-F238E27FC236}">
+                <a16:creationId xmlns:a16="http://schemas.microsoft.com/office/drawing/2014/main" id="{8F2BF076-870F-EA49-89FC-9009E2EAAA1F}"/>
+              </a:ext>
+            </a:extLst>
+          </p:cNvPr>
+          <p:cNvSpPr/>
+          <p:nvPr/>
+        </p:nvSpPr>
+        <p:spPr>
+          <a:xfrm>
+            <a:off x="3163737" y="3357071"/>
+            <a:ext cx="1125747" cy="566440"/>
+          </a:xfrm>
+          <a:prstGeom prst="roundRect">
+            <a:avLst/>
+          </a:prstGeom>
+          <a:solidFill>
+            <a:schemeClr val="accent1">
+              <a:lumMod val="60000"/>
+              <a:lumOff val="40000"/>
+            </a:schemeClr>
+          </a:solidFill>
+        </p:spPr>
+        <p:style>
+          <a:lnRef idx="2">
+            <a:schemeClr val="accent1">
+              <a:shade val="50000"/>
+            </a:schemeClr>
+          </a:lnRef>
+          <a:fillRef idx="1">
+            <a:schemeClr val="accent1"/>
+          </a:fillRef>
+          <a:effectRef idx="0">
+            <a:schemeClr val="accent1"/>
+          </a:effectRef>
+          <a:fontRef idx="minor">
+            <a:schemeClr val="lt1"/>
+          </a:fontRef>
+        </p:style>
+        <p:txBody>
+          <a:bodyPr rtlCol="0" anchor="ctr"/>
+          <a:lstStyle/>
+          <a:p>
+            <a:pPr algn="ctr"/>
+            <a:endParaRPr kumimoji="1" lang="ko-KR" altLang="en-US"/>
+          </a:p>
+        </p:txBody>
+      </p:sp>
+      <p:sp>
+        <p:nvSpPr>
+          <p:cNvPr id="16" name="TextBox 15">
+            <a:extLst>
+              <a:ext uri="{FF2B5EF4-FFF2-40B4-BE49-F238E27FC236}">
+                <a16:creationId xmlns:a16="http://schemas.microsoft.com/office/drawing/2014/main" id="{EDFEB818-33D9-C145-A55D-ED2715083A99}"/>
+              </a:ext>
+            </a:extLst>
+          </p:cNvPr>
+          <p:cNvSpPr txBox="1"/>
+          <p:nvPr/>
+        </p:nvSpPr>
+        <p:spPr>
+          <a:xfrm>
+            <a:off x="3278037" y="3430395"/>
+            <a:ext cx="1108495" cy="369332"/>
+          </a:xfrm>
+          <a:prstGeom prst="rect">
+            <a:avLst/>
+          </a:prstGeom>
+          <a:noFill/>
+        </p:spPr>
+        <p:txBody>
+          <a:bodyPr wrap="square" rtlCol="0">
+            <a:spAutoFit/>
+          </a:bodyPr>
+          <a:lstStyle/>
+          <a:p>
+            <a:r>
+              <a:rPr kumimoji="1" lang="en-US" altLang="ko-KR" dirty="0">
+                <a:solidFill>
+                  <a:schemeClr val="bg1"/>
+                </a:solidFill>
+              </a:rPr>
+              <a:t>cache()</a:t>
+            </a:r>
+            <a:endParaRPr kumimoji="1" lang="ko-KR" altLang="en-US" dirty="0">
+              <a:solidFill>
+                <a:schemeClr val="bg1"/>
+              </a:solidFill>
+            </a:endParaRPr>
+          </a:p>
+        </p:txBody>
+      </p:sp>
+      <p:cxnSp>
+        <p:nvCxnSpPr>
+          <p:cNvPr id="17" name="직선 화살표 연결선 16">
+            <a:extLst>
+              <a:ext uri="{FF2B5EF4-FFF2-40B4-BE49-F238E27FC236}">
+                <a16:creationId xmlns:a16="http://schemas.microsoft.com/office/drawing/2014/main" id="{FBDF6CEE-C6F5-624A-941A-3CD894B40424}"/>
+              </a:ext>
+            </a:extLst>
+          </p:cNvPr>
+          <p:cNvCxnSpPr>
+            <a:cxnSpLocks/>
+          </p:cNvCxnSpPr>
+          <p:nvPr/>
+        </p:nvCxnSpPr>
+        <p:spPr>
+          <a:xfrm>
+            <a:off x="4664733" y="3429000"/>
+            <a:ext cx="907931" cy="0"/>
+          </a:xfrm>
+          <a:prstGeom prst="straightConnector1">
+            <a:avLst/>
+          </a:prstGeom>
+          <a:ln w="28575">
+            <a:solidFill>
+              <a:schemeClr val="tx1">
+                <a:lumMod val="95000"/>
+                <a:lumOff val="5000"/>
+              </a:schemeClr>
+            </a:solidFill>
+            <a:tailEnd type="triangle"/>
+          </a:ln>
+        </p:spPr>
+        <p:style>
+          <a:lnRef idx="1">
+            <a:schemeClr val="accent1"/>
+          </a:lnRef>
+          <a:fillRef idx="0">
+            <a:schemeClr val="accent1"/>
+          </a:fillRef>
+          <a:effectRef idx="0">
+            <a:schemeClr val="accent1"/>
+          </a:effectRef>
+          <a:fontRef idx="minor">
+            <a:schemeClr val="tx1"/>
+          </a:fontRef>
+        </p:style>
+      </p:cxnSp>
+      <p:sp>
+        <p:nvSpPr>
+          <p:cNvPr id="19" name="모서리가 둥근 직사각형 18">
+            <a:extLst>
+              <a:ext uri="{FF2B5EF4-FFF2-40B4-BE49-F238E27FC236}">
+                <a16:creationId xmlns:a16="http://schemas.microsoft.com/office/drawing/2014/main" id="{EB0B3621-5AD1-D645-92A7-B64BCC62C51E}"/>
+              </a:ext>
+            </a:extLst>
+          </p:cNvPr>
+          <p:cNvSpPr/>
+          <p:nvPr/>
+        </p:nvSpPr>
+        <p:spPr>
+          <a:xfrm>
+            <a:off x="5669711" y="2704974"/>
+            <a:ext cx="2810055" cy="1449237"/>
+          </a:xfrm>
+          <a:prstGeom prst="roundRect">
+            <a:avLst/>
+          </a:prstGeom>
+        </p:spPr>
+        <p:style>
+          <a:lnRef idx="2">
+            <a:schemeClr val="accent1">
+              <a:shade val="50000"/>
+            </a:schemeClr>
+          </a:lnRef>
+          <a:fillRef idx="1">
+            <a:schemeClr val="accent1"/>
+          </a:fillRef>
+          <a:effectRef idx="0">
+            <a:schemeClr val="accent1"/>
+          </a:effectRef>
+          <a:fontRef idx="minor">
+            <a:schemeClr val="lt1"/>
+          </a:fontRef>
+        </p:style>
+        <p:txBody>
+          <a:bodyPr rtlCol="0" anchor="ctr"/>
+          <a:lstStyle/>
+          <a:p>
+            <a:pPr algn="ctr"/>
+            <a:endParaRPr kumimoji="1" lang="ko-KR" altLang="en-US"/>
+          </a:p>
+        </p:txBody>
+      </p:sp>
+      <p:sp>
+        <p:nvSpPr>
+          <p:cNvPr id="20" name="TextBox 19">
+            <a:extLst>
+              <a:ext uri="{FF2B5EF4-FFF2-40B4-BE49-F238E27FC236}">
+                <a16:creationId xmlns:a16="http://schemas.microsoft.com/office/drawing/2014/main" id="{4AD3795C-15D2-AA4D-B74F-2CB077B6310A}"/>
+              </a:ext>
+            </a:extLst>
+          </p:cNvPr>
+          <p:cNvSpPr txBox="1"/>
+          <p:nvPr/>
+        </p:nvSpPr>
+        <p:spPr>
+          <a:xfrm>
+            <a:off x="6262778" y="2797618"/>
+            <a:ext cx="1612727" cy="369332"/>
+          </a:xfrm>
+          <a:prstGeom prst="rect">
+            <a:avLst/>
+          </a:prstGeom>
+          <a:noFill/>
+        </p:spPr>
+        <p:txBody>
+          <a:bodyPr wrap="square" rtlCol="0">
+            <a:spAutoFit/>
+          </a:bodyPr>
+          <a:lstStyle/>
+          <a:p>
+            <a:r>
+              <a:rPr kumimoji="1" lang="en-US" altLang="ko-KR" dirty="0" err="1">
+                <a:solidFill>
+                  <a:schemeClr val="bg1"/>
+                </a:solidFill>
+              </a:rPr>
+              <a:t>MainScheduler</a:t>
+            </a:r>
+            <a:endParaRPr kumimoji="1" lang="ko-KR" altLang="en-US" dirty="0">
+              <a:solidFill>
+                <a:schemeClr val="bg1"/>
+              </a:solidFill>
+            </a:endParaRPr>
+          </a:p>
+        </p:txBody>
+      </p:sp>
+      <p:sp>
+        <p:nvSpPr>
+          <p:cNvPr id="21" name="모서리가 둥근 직사각형 20">
+            <a:extLst>
+              <a:ext uri="{FF2B5EF4-FFF2-40B4-BE49-F238E27FC236}">
+                <a16:creationId xmlns:a16="http://schemas.microsoft.com/office/drawing/2014/main" id="{BE2AF7CA-090F-6942-8E0B-C7C3E4E82C5B}"/>
+              </a:ext>
+            </a:extLst>
+          </p:cNvPr>
+          <p:cNvSpPr/>
+          <p:nvPr/>
+        </p:nvSpPr>
+        <p:spPr>
+          <a:xfrm>
+            <a:off x="5981341" y="3227465"/>
+            <a:ext cx="2248259" cy="696046"/>
+          </a:xfrm>
+          <a:prstGeom prst="roundRect">
+            <a:avLst/>
+          </a:prstGeom>
+          <a:solidFill>
+            <a:schemeClr val="accent1">
+              <a:lumMod val="60000"/>
+              <a:lumOff val="40000"/>
+            </a:schemeClr>
+          </a:solidFill>
+        </p:spPr>
+        <p:style>
+          <a:lnRef idx="2">
+            <a:schemeClr val="accent1">
+              <a:shade val="50000"/>
+            </a:schemeClr>
+          </a:lnRef>
+          <a:fillRef idx="1">
+            <a:schemeClr val="accent1"/>
+          </a:fillRef>
+          <a:effectRef idx="0">
+            <a:schemeClr val="accent1"/>
+          </a:effectRef>
+          <a:fontRef idx="minor">
+            <a:schemeClr val="lt1"/>
+          </a:fontRef>
+        </p:style>
+        <p:txBody>
+          <a:bodyPr rtlCol="0" anchor="ctr"/>
+          <a:lstStyle/>
+          <a:p>
+            <a:pPr algn="ctr"/>
+            <a:endParaRPr kumimoji="1" lang="ko-KR" altLang="en-US"/>
+          </a:p>
+        </p:txBody>
+      </p:sp>
+      <p:sp>
+        <p:nvSpPr>
+          <p:cNvPr id="22" name="TextBox 21">
+            <a:extLst>
+              <a:ext uri="{FF2B5EF4-FFF2-40B4-BE49-F238E27FC236}">
+                <a16:creationId xmlns:a16="http://schemas.microsoft.com/office/drawing/2014/main" id="{3C8012FF-7EF3-4743-BF4A-DB5FD1175A5D}"/>
+              </a:ext>
+            </a:extLst>
+          </p:cNvPr>
+          <p:cNvSpPr txBox="1"/>
+          <p:nvPr/>
+        </p:nvSpPr>
+        <p:spPr>
+          <a:xfrm>
+            <a:off x="6326346" y="3357071"/>
+            <a:ext cx="2213805" cy="369332"/>
+          </a:xfrm>
+          <a:prstGeom prst="rect">
+            <a:avLst/>
+          </a:prstGeom>
+          <a:noFill/>
+        </p:spPr>
+        <p:txBody>
+          <a:bodyPr wrap="square" rtlCol="0">
+            <a:spAutoFit/>
+          </a:bodyPr>
+          <a:lstStyle/>
+          <a:p>
+            <a:r>
+              <a:rPr kumimoji="1" lang="en-US" altLang="ko-KR" dirty="0">
+                <a:solidFill>
+                  <a:schemeClr val="bg1"/>
+                </a:solidFill>
+              </a:rPr>
+              <a:t>subscriptions</a:t>
+            </a:r>
+            <a:endParaRPr kumimoji="1" lang="ko-KR" altLang="en-US" dirty="0">
+              <a:solidFill>
+                <a:schemeClr val="bg1"/>
+              </a:solidFill>
+            </a:endParaRPr>
+          </a:p>
+        </p:txBody>
+      </p:sp>
+      <p:sp>
+        <p:nvSpPr>
+          <p:cNvPr id="23" name="TextBox 22">
+            <a:extLst>
+              <a:ext uri="{FF2B5EF4-FFF2-40B4-BE49-F238E27FC236}">
+                <a16:creationId xmlns:a16="http://schemas.microsoft.com/office/drawing/2014/main" id="{224D4EA9-1F1B-E94B-BE42-DEA648831130}"/>
+              </a:ext>
+            </a:extLst>
+          </p:cNvPr>
+          <p:cNvSpPr txBox="1"/>
+          <p:nvPr/>
+        </p:nvSpPr>
+        <p:spPr>
+          <a:xfrm>
+            <a:off x="506800" y="4575608"/>
+            <a:ext cx="8296575" cy="1477328"/>
+          </a:xfrm>
+          <a:prstGeom prst="rect">
+            <a:avLst/>
+          </a:prstGeom>
+          <a:noFill/>
+        </p:spPr>
+        <p:txBody>
+          <a:bodyPr wrap="square" rtlCol="0">
+            <a:spAutoFit/>
+          </a:bodyPr>
+          <a:lstStyle/>
+          <a:p>
+            <a:r>
+              <a:rPr kumimoji="1" lang="en-US" altLang="ko-KR" dirty="0"/>
+              <a:t>Network Request -&gt; cache() </a:t>
+            </a:r>
+            <a:r>
+              <a:rPr kumimoji="1" lang="en-US" altLang="ko-KR" dirty="0">
+                <a:sym typeface="Wingdings" pitchFamily="2" charset="2"/>
+              </a:rPr>
+              <a:t> </a:t>
+            </a:r>
+            <a:r>
+              <a:rPr kumimoji="1" lang="ko-KR" altLang="en-US" dirty="0">
+                <a:sym typeface="Wingdings" pitchFamily="2" charset="2"/>
+              </a:rPr>
+              <a:t>데이터가 메모리에 올라감 </a:t>
+            </a:r>
+            <a:r>
+              <a:rPr kumimoji="1" lang="en-US" altLang="ko-KR" dirty="0">
+                <a:sym typeface="Wingdings" pitchFamily="2" charset="2"/>
+              </a:rPr>
+              <a:t>(</a:t>
+            </a:r>
+            <a:r>
+              <a:rPr kumimoji="1" lang="ko-KR" altLang="en-US" dirty="0">
+                <a:sym typeface="Wingdings" pitchFamily="2" charset="2"/>
+              </a:rPr>
+              <a:t>백그라운드 스케줄러</a:t>
+            </a:r>
+            <a:r>
+              <a:rPr kumimoji="1" lang="en-US" altLang="ko-KR" dirty="0">
+                <a:sym typeface="Wingdings" pitchFamily="2" charset="2"/>
+              </a:rPr>
+              <a:t>)</a:t>
+            </a:r>
+          </a:p>
+          <a:p>
+            <a:endParaRPr kumimoji="1" lang="en-US" altLang="ko-KR" dirty="0">
+              <a:sym typeface="Wingdings" pitchFamily="2" charset="2"/>
+            </a:endParaRPr>
+          </a:p>
+          <a:p>
+            <a:pPr marL="285750" indent="-285750">
+              <a:buFont typeface="Wingdings" pitchFamily="2" charset="2"/>
+              <a:buChar char="à"/>
+            </a:pPr>
+            <a:r>
+              <a:rPr kumimoji="1" lang="ko-KR" altLang="en-US" dirty="0">
+                <a:sym typeface="Wingdings" pitchFamily="2" charset="2"/>
+              </a:rPr>
+              <a:t>다른 스케줄러</a:t>
+            </a:r>
+            <a:r>
+              <a:rPr kumimoji="1" lang="en-US" altLang="ko-KR" dirty="0">
+                <a:sym typeface="Wingdings" pitchFamily="2" charset="2"/>
+              </a:rPr>
+              <a:t>(</a:t>
+            </a:r>
+            <a:r>
+              <a:rPr kumimoji="1" lang="ko-KR" altLang="en-US" dirty="0">
+                <a:sym typeface="Wingdings" pitchFamily="2" charset="2"/>
+              </a:rPr>
+              <a:t>대부분 </a:t>
+            </a:r>
+            <a:r>
+              <a:rPr kumimoji="1" lang="en-US" altLang="ko-KR" dirty="0" err="1">
+                <a:sym typeface="Wingdings" pitchFamily="2" charset="2"/>
+              </a:rPr>
+              <a:t>MainScheduler</a:t>
+            </a:r>
+            <a:r>
+              <a:rPr kumimoji="1" lang="en-US" altLang="ko-KR" dirty="0">
+                <a:sym typeface="Wingdings" pitchFamily="2" charset="2"/>
+              </a:rPr>
+              <a:t>)</a:t>
+            </a:r>
+            <a:r>
+              <a:rPr kumimoji="1" lang="ko-KR" altLang="en-US" dirty="0">
+                <a:sym typeface="Wingdings" pitchFamily="2" charset="2"/>
+              </a:rPr>
+              <a:t>의 구독자에게 전달</a:t>
+            </a:r>
+            <a:endParaRPr kumimoji="1" lang="en-US" altLang="ko-KR" dirty="0">
+              <a:sym typeface="Wingdings" pitchFamily="2" charset="2"/>
+            </a:endParaRPr>
+          </a:p>
+          <a:p>
+            <a:pPr marL="285750" indent="-285750">
+              <a:buFont typeface="Wingdings" pitchFamily="2" charset="2"/>
+              <a:buChar char="à"/>
+            </a:pPr>
+            <a:endParaRPr kumimoji="1" lang="en-US" altLang="ko-KR" dirty="0">
+              <a:sym typeface="Wingdings" pitchFamily="2" charset="2"/>
+            </a:endParaRPr>
+          </a:p>
+          <a:p>
+            <a:pPr marL="285750" indent="-285750">
+              <a:buFont typeface="Wingdings" pitchFamily="2" charset="2"/>
+              <a:buChar char="à"/>
+            </a:pPr>
+            <a:r>
+              <a:rPr kumimoji="1" lang="ko-KR" altLang="en-US" dirty="0"/>
+              <a:t>메인스케줄러는 메인스레드에서 동작하기 때문에 </a:t>
+            </a:r>
+            <a:r>
+              <a:rPr kumimoji="1" lang="en-US" altLang="ko-KR" dirty="0"/>
+              <a:t>UI </a:t>
+            </a:r>
+            <a:r>
+              <a:rPr kumimoji="1" lang="ko-KR" altLang="en-US" dirty="0"/>
+              <a:t>변경가능</a:t>
+            </a:r>
+            <a:r>
+              <a:rPr kumimoji="1" lang="en-US" altLang="ko-KR" dirty="0"/>
+              <a:t>.</a:t>
+            </a:r>
             <a:endParaRPr kumimoji="1" lang="ko-KR" altLang="en-US" dirty="0"/>
           </a:p>
         </p:txBody>
@@ -15023,7 +16690,2423 @@
     </p:spTree>
     <p:extLst>
       <p:ext uri="{BB962C8B-B14F-4D97-AF65-F5344CB8AC3E}">
-        <p14:creationId xmlns:p14="http://schemas.microsoft.com/office/powerpoint/2010/main" val="2538044973"/>
+        <p14:creationId xmlns:p14="http://schemas.microsoft.com/office/powerpoint/2010/main" val="4064232374"/>
+      </p:ext>
+    </p:extLst>
+  </p:cSld>
+  <p:clrMapOvr>
+    <a:masterClrMapping/>
+  </p:clrMapOvr>
+</p:sld>
+</file>
+
+<file path=ppt/slides/slide45.xml><?xml version="1.0" encoding="utf-8"?>
+<p:sld xmlns:a="http://schemas.openxmlformats.org/drawingml/2006/main" xmlns:r="http://schemas.openxmlformats.org/officeDocument/2006/relationships" xmlns:p="http://schemas.openxmlformats.org/presentationml/2006/main">
+  <p:cSld>
+    <p:spTree>
+      <p:nvGrpSpPr>
+        <p:cNvPr id="1" name=""/>
+        <p:cNvGrpSpPr/>
+        <p:nvPr/>
+      </p:nvGrpSpPr>
+      <p:grpSpPr>
+        <a:xfrm>
+          <a:off x="0" y="0"/>
+          <a:ext cx="0" cy="0"/>
+          <a:chOff x="0" y="0"/>
+          <a:chExt cx="0" cy="0"/>
+        </a:xfrm>
+      </p:grpSpPr>
+      <p:sp>
+        <p:nvSpPr>
+          <p:cNvPr id="9" name="제목 1">
+            <a:extLst>
+              <a:ext uri="{FF2B5EF4-FFF2-40B4-BE49-F238E27FC236}">
+                <a16:creationId xmlns:a16="http://schemas.microsoft.com/office/drawing/2014/main" id="{A53EB38A-7981-AE4A-93AE-B59BC554A676}"/>
+              </a:ext>
+            </a:extLst>
+          </p:cNvPr>
+          <p:cNvSpPr txBox="1">
+            <a:spLocks/>
+          </p:cNvSpPr>
+          <p:nvPr/>
+        </p:nvSpPr>
+        <p:spPr>
+          <a:xfrm>
+            <a:off x="285689" y="231676"/>
+            <a:ext cx="8296576" cy="581215"/>
+          </a:xfrm>
+          <a:prstGeom prst="rect">
+            <a:avLst/>
+          </a:prstGeom>
+        </p:spPr>
+        <p:txBody>
+          <a:bodyPr vert="horz" lIns="68580" tIns="34291" rIns="68580" bIns="34291" rtlCol="0" anchor="b">
+            <a:normAutofit/>
+          </a:bodyPr>
+          <a:lstStyle>
+            <a:lvl1pPr algn="ctr" defTabSz="914400" rtl="0" eaLnBrk="1" latinLnBrk="1" hangingPunct="1">
+              <a:lnSpc>
+                <a:spcPct val="90000"/>
+              </a:lnSpc>
+              <a:spcBef>
+                <a:spcPct val="0"/>
+              </a:spcBef>
+              <a:buNone/>
+              <a:defRPr sz="6000" kern="1200">
+                <a:solidFill>
+                  <a:schemeClr val="tx1"/>
+                </a:solidFill>
+                <a:latin typeface="+mj-lt"/>
+                <a:ea typeface="+mj-ea"/>
+                <a:cs typeface="+mj-cs"/>
+              </a:defRPr>
+            </a:lvl1pPr>
+          </a:lstStyle>
+          <a:p>
+            <a:pPr algn="l">
+              <a:defRPr lang="ko-KR" altLang="en-US"/>
+            </a:pPr>
+            <a:r>
+              <a:rPr lang="en-US" altLang="ko-KR" sz="2851" u="sng" dirty="0">
+                <a:solidFill>
+                  <a:srgbClr val="0070C0"/>
+                </a:solidFill>
+                <a:latin typeface="함초롬돋움" panose="020B0604000101010101" pitchFamily="50" charset="-127"/>
+                <a:ea typeface="함초롬돋움" panose="020B0604000101010101" pitchFamily="50" charset="-127"/>
+                <a:cs typeface="함초롬돋움" panose="020B0604000101010101" pitchFamily="50" charset="-127"/>
+              </a:rPr>
+              <a:t>Schedulers</a:t>
+            </a:r>
+          </a:p>
+        </p:txBody>
+      </p:sp>
+      <p:sp>
+        <p:nvSpPr>
+          <p:cNvPr id="4" name="TextBox 3">
+            <a:extLst>
+              <a:ext uri="{FF2B5EF4-FFF2-40B4-BE49-F238E27FC236}">
+                <a16:creationId xmlns:a16="http://schemas.microsoft.com/office/drawing/2014/main" id="{B1D6C6B2-5883-6D41-8644-FD8BF8AC7708}"/>
+              </a:ext>
+            </a:extLst>
+          </p:cNvPr>
+          <p:cNvSpPr txBox="1"/>
+          <p:nvPr/>
+        </p:nvSpPr>
+        <p:spPr>
+          <a:xfrm>
+            <a:off x="285689" y="1112808"/>
+            <a:ext cx="7115775" cy="369332"/>
+          </a:xfrm>
+          <a:prstGeom prst="rect">
+            <a:avLst/>
+          </a:prstGeom>
+          <a:noFill/>
+        </p:spPr>
+        <p:txBody>
+          <a:bodyPr wrap="square" rtlCol="0">
+            <a:spAutoFit/>
+          </a:bodyPr>
+          <a:lstStyle/>
+          <a:p>
+            <a:r>
+              <a:rPr kumimoji="1" lang="en-US" altLang="ko-KR" dirty="0"/>
+              <a:t>Scheduler </a:t>
+            </a:r>
+            <a:r>
+              <a:rPr kumimoji="1" lang="ko-KR" altLang="en-US" dirty="0"/>
+              <a:t>에 대한 가장 큰 오해는 </a:t>
+            </a:r>
+            <a:r>
+              <a:rPr kumimoji="1" lang="en-US" altLang="ko-KR" dirty="0"/>
+              <a:t>thread</a:t>
+            </a:r>
+            <a:r>
+              <a:rPr kumimoji="1" lang="ko-KR" altLang="en-US" dirty="0"/>
+              <a:t>와 같다는 생각</a:t>
+            </a:r>
+          </a:p>
+        </p:txBody>
+      </p:sp>
+      <p:sp>
+        <p:nvSpPr>
+          <p:cNvPr id="18" name="모서리가 둥근 직사각형 17">
+            <a:extLst>
+              <a:ext uri="{FF2B5EF4-FFF2-40B4-BE49-F238E27FC236}">
+                <a16:creationId xmlns:a16="http://schemas.microsoft.com/office/drawing/2014/main" id="{57EC536A-3F44-1949-90CE-C4DFCCC7EA26}"/>
+              </a:ext>
+            </a:extLst>
+          </p:cNvPr>
+          <p:cNvSpPr/>
+          <p:nvPr/>
+        </p:nvSpPr>
+        <p:spPr>
+          <a:xfrm>
+            <a:off x="603849" y="2704381"/>
+            <a:ext cx="3968151" cy="1449237"/>
+          </a:xfrm>
+          <a:prstGeom prst="roundRect">
+            <a:avLst/>
+          </a:prstGeom>
+        </p:spPr>
+        <p:style>
+          <a:lnRef idx="2">
+            <a:schemeClr val="accent1">
+              <a:shade val="50000"/>
+            </a:schemeClr>
+          </a:lnRef>
+          <a:fillRef idx="1">
+            <a:schemeClr val="accent1"/>
+          </a:fillRef>
+          <a:effectRef idx="0">
+            <a:schemeClr val="accent1"/>
+          </a:effectRef>
+          <a:fontRef idx="minor">
+            <a:schemeClr val="lt1"/>
+          </a:fontRef>
+        </p:style>
+        <p:txBody>
+          <a:bodyPr rtlCol="0" anchor="ctr"/>
+          <a:lstStyle/>
+          <a:p>
+            <a:pPr algn="ctr"/>
+            <a:endParaRPr kumimoji="1" lang="ko-KR" altLang="en-US"/>
+          </a:p>
+        </p:txBody>
+      </p:sp>
+      <p:sp>
+        <p:nvSpPr>
+          <p:cNvPr id="24" name="TextBox 23">
+            <a:extLst>
+              <a:ext uri="{FF2B5EF4-FFF2-40B4-BE49-F238E27FC236}">
+                <a16:creationId xmlns:a16="http://schemas.microsoft.com/office/drawing/2014/main" id="{98C32BDA-079A-5049-9FBD-D5FA7E5BEF81}"/>
+              </a:ext>
+            </a:extLst>
+          </p:cNvPr>
+          <p:cNvSpPr txBox="1"/>
+          <p:nvPr/>
+        </p:nvSpPr>
+        <p:spPr>
+          <a:xfrm>
+            <a:off x="1535502" y="2812211"/>
+            <a:ext cx="2277373" cy="369332"/>
+          </a:xfrm>
+          <a:prstGeom prst="rect">
+            <a:avLst/>
+          </a:prstGeom>
+          <a:noFill/>
+        </p:spPr>
+        <p:txBody>
+          <a:bodyPr wrap="square" rtlCol="0">
+            <a:spAutoFit/>
+          </a:bodyPr>
+          <a:lstStyle/>
+          <a:p>
+            <a:r>
+              <a:rPr kumimoji="1" lang="en-US" altLang="ko-KR" dirty="0">
+                <a:solidFill>
+                  <a:schemeClr val="bg1"/>
+                </a:solidFill>
+              </a:rPr>
+              <a:t>Background</a:t>
+            </a:r>
+            <a:r>
+              <a:rPr kumimoji="1" lang="ko-KR" altLang="en-US" dirty="0">
+                <a:solidFill>
+                  <a:schemeClr val="bg1"/>
+                </a:solidFill>
+              </a:rPr>
+              <a:t> </a:t>
+            </a:r>
+            <a:r>
+              <a:rPr kumimoji="1" lang="en-US" altLang="ko-KR" dirty="0">
+                <a:solidFill>
+                  <a:schemeClr val="bg1"/>
+                </a:solidFill>
+              </a:rPr>
+              <a:t>Thread</a:t>
+            </a:r>
+            <a:endParaRPr kumimoji="1" lang="ko-KR" altLang="en-US" dirty="0">
+              <a:solidFill>
+                <a:schemeClr val="bg1"/>
+              </a:solidFill>
+            </a:endParaRPr>
+          </a:p>
+        </p:txBody>
+      </p:sp>
+      <p:sp>
+        <p:nvSpPr>
+          <p:cNvPr id="25" name="모서리가 둥근 직사각형 24">
+            <a:extLst>
+              <a:ext uri="{FF2B5EF4-FFF2-40B4-BE49-F238E27FC236}">
+                <a16:creationId xmlns:a16="http://schemas.microsoft.com/office/drawing/2014/main" id="{0241C8E9-A252-544C-8307-88B7A6448AA0}"/>
+              </a:ext>
+            </a:extLst>
+          </p:cNvPr>
+          <p:cNvSpPr/>
+          <p:nvPr/>
+        </p:nvSpPr>
+        <p:spPr>
+          <a:xfrm>
+            <a:off x="964001" y="3289373"/>
+            <a:ext cx="1485899" cy="566440"/>
+          </a:xfrm>
+          <a:prstGeom prst="roundRect">
+            <a:avLst/>
+          </a:prstGeom>
+          <a:solidFill>
+            <a:schemeClr val="accent1">
+              <a:lumMod val="60000"/>
+              <a:lumOff val="40000"/>
+            </a:schemeClr>
+          </a:solidFill>
+        </p:spPr>
+        <p:style>
+          <a:lnRef idx="2">
+            <a:schemeClr val="accent1">
+              <a:shade val="50000"/>
+            </a:schemeClr>
+          </a:lnRef>
+          <a:fillRef idx="1">
+            <a:schemeClr val="accent1"/>
+          </a:fillRef>
+          <a:effectRef idx="0">
+            <a:schemeClr val="accent1"/>
+          </a:effectRef>
+          <a:fontRef idx="minor">
+            <a:schemeClr val="lt1"/>
+          </a:fontRef>
+        </p:style>
+        <p:txBody>
+          <a:bodyPr rtlCol="0" anchor="ctr"/>
+          <a:lstStyle/>
+          <a:p>
+            <a:pPr algn="ctr"/>
+            <a:endParaRPr kumimoji="1" lang="ko-KR" altLang="en-US"/>
+          </a:p>
+        </p:txBody>
+      </p:sp>
+      <p:sp>
+        <p:nvSpPr>
+          <p:cNvPr id="26" name="TextBox 25">
+            <a:extLst>
+              <a:ext uri="{FF2B5EF4-FFF2-40B4-BE49-F238E27FC236}">
+                <a16:creationId xmlns:a16="http://schemas.microsoft.com/office/drawing/2014/main" id="{7624F567-EBDF-7A4C-B1FC-61BD19358B23}"/>
+              </a:ext>
+            </a:extLst>
+          </p:cNvPr>
+          <p:cNvSpPr txBox="1"/>
+          <p:nvPr/>
+        </p:nvSpPr>
+        <p:spPr>
+          <a:xfrm>
+            <a:off x="1078301" y="3362697"/>
+            <a:ext cx="1371599" cy="369332"/>
+          </a:xfrm>
+          <a:prstGeom prst="rect">
+            <a:avLst/>
+          </a:prstGeom>
+          <a:noFill/>
+        </p:spPr>
+        <p:txBody>
+          <a:bodyPr wrap="square" rtlCol="0">
+            <a:spAutoFit/>
+          </a:bodyPr>
+          <a:lstStyle/>
+          <a:p>
+            <a:r>
+              <a:rPr kumimoji="1" lang="en-US" altLang="ko-KR" dirty="0">
+                <a:solidFill>
+                  <a:schemeClr val="bg1"/>
+                </a:solidFill>
+              </a:rPr>
+              <a:t>Scheduler 1</a:t>
+            </a:r>
+            <a:endParaRPr kumimoji="1" lang="ko-KR" altLang="en-US" dirty="0">
+              <a:solidFill>
+                <a:schemeClr val="bg1"/>
+              </a:solidFill>
+            </a:endParaRPr>
+          </a:p>
+        </p:txBody>
+      </p:sp>
+      <p:sp>
+        <p:nvSpPr>
+          <p:cNvPr id="27" name="모서리가 둥근 직사각형 26">
+            <a:extLst>
+              <a:ext uri="{FF2B5EF4-FFF2-40B4-BE49-F238E27FC236}">
+                <a16:creationId xmlns:a16="http://schemas.microsoft.com/office/drawing/2014/main" id="{39EEB011-FE66-8341-BA55-58D2CBC9BFF6}"/>
+              </a:ext>
+            </a:extLst>
+          </p:cNvPr>
+          <p:cNvSpPr/>
+          <p:nvPr/>
+        </p:nvSpPr>
+        <p:spPr>
+          <a:xfrm>
+            <a:off x="2810052" y="3289373"/>
+            <a:ext cx="1485899" cy="566440"/>
+          </a:xfrm>
+          <a:prstGeom prst="roundRect">
+            <a:avLst/>
+          </a:prstGeom>
+          <a:solidFill>
+            <a:schemeClr val="accent1">
+              <a:lumMod val="60000"/>
+              <a:lumOff val="40000"/>
+            </a:schemeClr>
+          </a:solidFill>
+        </p:spPr>
+        <p:style>
+          <a:lnRef idx="2">
+            <a:schemeClr val="accent1">
+              <a:shade val="50000"/>
+            </a:schemeClr>
+          </a:lnRef>
+          <a:fillRef idx="1">
+            <a:schemeClr val="accent1"/>
+          </a:fillRef>
+          <a:effectRef idx="0">
+            <a:schemeClr val="accent1"/>
+          </a:effectRef>
+          <a:fontRef idx="minor">
+            <a:schemeClr val="lt1"/>
+          </a:fontRef>
+        </p:style>
+        <p:txBody>
+          <a:bodyPr rtlCol="0" anchor="ctr"/>
+          <a:lstStyle/>
+          <a:p>
+            <a:pPr algn="ctr"/>
+            <a:endParaRPr kumimoji="1" lang="ko-KR" altLang="en-US"/>
+          </a:p>
+        </p:txBody>
+      </p:sp>
+      <p:sp>
+        <p:nvSpPr>
+          <p:cNvPr id="28" name="TextBox 27">
+            <a:extLst>
+              <a:ext uri="{FF2B5EF4-FFF2-40B4-BE49-F238E27FC236}">
+                <a16:creationId xmlns:a16="http://schemas.microsoft.com/office/drawing/2014/main" id="{E72D30CF-0AB9-B146-8E21-41515A1982AF}"/>
+              </a:ext>
+            </a:extLst>
+          </p:cNvPr>
+          <p:cNvSpPr txBox="1"/>
+          <p:nvPr/>
+        </p:nvSpPr>
+        <p:spPr>
+          <a:xfrm>
+            <a:off x="2924352" y="3362697"/>
+            <a:ext cx="1371599" cy="369332"/>
+          </a:xfrm>
+          <a:prstGeom prst="rect">
+            <a:avLst/>
+          </a:prstGeom>
+          <a:noFill/>
+        </p:spPr>
+        <p:txBody>
+          <a:bodyPr wrap="square" rtlCol="0">
+            <a:spAutoFit/>
+          </a:bodyPr>
+          <a:lstStyle/>
+          <a:p>
+            <a:r>
+              <a:rPr kumimoji="1" lang="en-US" altLang="ko-KR" dirty="0">
+                <a:solidFill>
+                  <a:schemeClr val="bg1"/>
+                </a:solidFill>
+              </a:rPr>
+              <a:t>Scheduler 2</a:t>
+            </a:r>
+            <a:endParaRPr kumimoji="1" lang="ko-KR" altLang="en-US" dirty="0">
+              <a:solidFill>
+                <a:schemeClr val="bg1"/>
+              </a:solidFill>
+            </a:endParaRPr>
+          </a:p>
+        </p:txBody>
+      </p:sp>
+      <p:sp>
+        <p:nvSpPr>
+          <p:cNvPr id="29" name="모서리가 둥근 직사각형 28">
+            <a:extLst>
+              <a:ext uri="{FF2B5EF4-FFF2-40B4-BE49-F238E27FC236}">
+                <a16:creationId xmlns:a16="http://schemas.microsoft.com/office/drawing/2014/main" id="{24CA0064-7375-AF46-B603-A0DF6BD73F44}"/>
+              </a:ext>
+            </a:extLst>
+          </p:cNvPr>
+          <p:cNvSpPr/>
+          <p:nvPr/>
+        </p:nvSpPr>
+        <p:spPr>
+          <a:xfrm>
+            <a:off x="603850" y="4440805"/>
+            <a:ext cx="2206202" cy="1449237"/>
+          </a:xfrm>
+          <a:prstGeom prst="roundRect">
+            <a:avLst/>
+          </a:prstGeom>
+        </p:spPr>
+        <p:style>
+          <a:lnRef idx="2">
+            <a:schemeClr val="accent1">
+              <a:shade val="50000"/>
+            </a:schemeClr>
+          </a:lnRef>
+          <a:fillRef idx="1">
+            <a:schemeClr val="accent1"/>
+          </a:fillRef>
+          <a:effectRef idx="0">
+            <a:schemeClr val="accent1"/>
+          </a:effectRef>
+          <a:fontRef idx="minor">
+            <a:schemeClr val="lt1"/>
+          </a:fontRef>
+        </p:style>
+        <p:txBody>
+          <a:bodyPr rtlCol="0" anchor="ctr"/>
+          <a:lstStyle/>
+          <a:p>
+            <a:pPr algn="ctr"/>
+            <a:endParaRPr kumimoji="1" lang="ko-KR" altLang="en-US"/>
+          </a:p>
+        </p:txBody>
+      </p:sp>
+      <p:sp>
+        <p:nvSpPr>
+          <p:cNvPr id="30" name="TextBox 29">
+            <a:extLst>
+              <a:ext uri="{FF2B5EF4-FFF2-40B4-BE49-F238E27FC236}">
+                <a16:creationId xmlns:a16="http://schemas.microsoft.com/office/drawing/2014/main" id="{D240AA03-AED7-1D42-AB09-CFCC61AFAD93}"/>
+              </a:ext>
+            </a:extLst>
+          </p:cNvPr>
+          <p:cNvSpPr txBox="1"/>
+          <p:nvPr/>
+        </p:nvSpPr>
+        <p:spPr>
+          <a:xfrm>
+            <a:off x="832450" y="4548635"/>
+            <a:ext cx="2277373" cy="369332"/>
+          </a:xfrm>
+          <a:prstGeom prst="rect">
+            <a:avLst/>
+          </a:prstGeom>
+          <a:noFill/>
+        </p:spPr>
+        <p:txBody>
+          <a:bodyPr wrap="square" rtlCol="0">
+            <a:spAutoFit/>
+          </a:bodyPr>
+          <a:lstStyle/>
+          <a:p>
+            <a:r>
+              <a:rPr kumimoji="1" lang="en-US" altLang="ko-KR" dirty="0">
+                <a:solidFill>
+                  <a:schemeClr val="bg1"/>
+                </a:solidFill>
+              </a:rPr>
+              <a:t>Custom</a:t>
+            </a:r>
+            <a:r>
+              <a:rPr kumimoji="1" lang="ko-KR" altLang="en-US" dirty="0">
+                <a:solidFill>
+                  <a:schemeClr val="bg1"/>
+                </a:solidFill>
+              </a:rPr>
+              <a:t> </a:t>
+            </a:r>
+            <a:r>
+              <a:rPr kumimoji="1" lang="en-US" altLang="ko-KR" dirty="0">
+                <a:solidFill>
+                  <a:schemeClr val="bg1"/>
+                </a:solidFill>
+              </a:rPr>
+              <a:t>Thread</a:t>
+            </a:r>
+            <a:endParaRPr kumimoji="1" lang="ko-KR" altLang="en-US" dirty="0">
+              <a:solidFill>
+                <a:schemeClr val="bg1"/>
+              </a:solidFill>
+            </a:endParaRPr>
+          </a:p>
+        </p:txBody>
+      </p:sp>
+      <p:sp>
+        <p:nvSpPr>
+          <p:cNvPr id="35" name="모서리가 둥근 직사각형 34">
+            <a:extLst>
+              <a:ext uri="{FF2B5EF4-FFF2-40B4-BE49-F238E27FC236}">
+                <a16:creationId xmlns:a16="http://schemas.microsoft.com/office/drawing/2014/main" id="{606618FC-9AB2-E645-9A87-726E08161A27}"/>
+              </a:ext>
+            </a:extLst>
+          </p:cNvPr>
+          <p:cNvSpPr/>
+          <p:nvPr/>
+        </p:nvSpPr>
+        <p:spPr>
+          <a:xfrm>
+            <a:off x="3038652" y="4440805"/>
+            <a:ext cx="2018580" cy="1449237"/>
+          </a:xfrm>
+          <a:prstGeom prst="roundRect">
+            <a:avLst/>
+          </a:prstGeom>
+        </p:spPr>
+        <p:style>
+          <a:lnRef idx="2">
+            <a:schemeClr val="accent1">
+              <a:shade val="50000"/>
+            </a:schemeClr>
+          </a:lnRef>
+          <a:fillRef idx="1">
+            <a:schemeClr val="accent1"/>
+          </a:fillRef>
+          <a:effectRef idx="0">
+            <a:schemeClr val="accent1"/>
+          </a:effectRef>
+          <a:fontRef idx="minor">
+            <a:schemeClr val="lt1"/>
+          </a:fontRef>
+        </p:style>
+        <p:txBody>
+          <a:bodyPr rtlCol="0" anchor="ctr"/>
+          <a:lstStyle/>
+          <a:p>
+            <a:pPr algn="ctr"/>
+            <a:endParaRPr kumimoji="1" lang="ko-KR" altLang="en-US"/>
+          </a:p>
+        </p:txBody>
+      </p:sp>
+      <p:sp>
+        <p:nvSpPr>
+          <p:cNvPr id="36" name="TextBox 35">
+            <a:extLst>
+              <a:ext uri="{FF2B5EF4-FFF2-40B4-BE49-F238E27FC236}">
+                <a16:creationId xmlns:a16="http://schemas.microsoft.com/office/drawing/2014/main" id="{07BFB457-7BB3-F448-946C-1E81C315276C}"/>
+              </a:ext>
+            </a:extLst>
+          </p:cNvPr>
+          <p:cNvSpPr txBox="1"/>
+          <p:nvPr/>
+        </p:nvSpPr>
+        <p:spPr>
+          <a:xfrm>
+            <a:off x="3418213" y="4507708"/>
+            <a:ext cx="2277373" cy="369332"/>
+          </a:xfrm>
+          <a:prstGeom prst="rect">
+            <a:avLst/>
+          </a:prstGeom>
+          <a:noFill/>
+        </p:spPr>
+        <p:txBody>
+          <a:bodyPr wrap="square" rtlCol="0">
+            <a:spAutoFit/>
+          </a:bodyPr>
+          <a:lstStyle/>
+          <a:p>
+            <a:r>
+              <a:rPr kumimoji="1" lang="en-US" altLang="ko-KR" dirty="0">
+                <a:solidFill>
+                  <a:schemeClr val="bg1"/>
+                </a:solidFill>
+              </a:rPr>
+              <a:t>Main Thread</a:t>
+            </a:r>
+            <a:endParaRPr kumimoji="1" lang="ko-KR" altLang="en-US" dirty="0">
+              <a:solidFill>
+                <a:schemeClr val="bg1"/>
+              </a:solidFill>
+            </a:endParaRPr>
+          </a:p>
+        </p:txBody>
+      </p:sp>
+      <p:sp>
+        <p:nvSpPr>
+          <p:cNvPr id="31" name="모서리가 둥근 직사각형 30">
+            <a:extLst>
+              <a:ext uri="{FF2B5EF4-FFF2-40B4-BE49-F238E27FC236}">
+                <a16:creationId xmlns:a16="http://schemas.microsoft.com/office/drawing/2014/main" id="{80F26BD1-D77E-E043-B34F-5928AB069844}"/>
+              </a:ext>
+            </a:extLst>
+          </p:cNvPr>
+          <p:cNvSpPr/>
+          <p:nvPr/>
+        </p:nvSpPr>
+        <p:spPr>
+          <a:xfrm>
+            <a:off x="964001" y="5025797"/>
+            <a:ext cx="3784841" cy="566440"/>
+          </a:xfrm>
+          <a:prstGeom prst="roundRect">
+            <a:avLst/>
+          </a:prstGeom>
+          <a:solidFill>
+            <a:schemeClr val="accent1">
+              <a:lumMod val="60000"/>
+              <a:lumOff val="40000"/>
+            </a:schemeClr>
+          </a:solidFill>
+        </p:spPr>
+        <p:style>
+          <a:lnRef idx="2">
+            <a:schemeClr val="accent1">
+              <a:shade val="50000"/>
+            </a:schemeClr>
+          </a:lnRef>
+          <a:fillRef idx="1">
+            <a:schemeClr val="accent1"/>
+          </a:fillRef>
+          <a:effectRef idx="0">
+            <a:schemeClr val="accent1"/>
+          </a:effectRef>
+          <a:fontRef idx="minor">
+            <a:schemeClr val="lt1"/>
+          </a:fontRef>
+        </p:style>
+        <p:txBody>
+          <a:bodyPr rtlCol="0" anchor="ctr"/>
+          <a:lstStyle/>
+          <a:p>
+            <a:pPr algn="ctr"/>
+            <a:endParaRPr kumimoji="1" lang="ko-KR" altLang="en-US"/>
+          </a:p>
+        </p:txBody>
+      </p:sp>
+      <p:sp>
+        <p:nvSpPr>
+          <p:cNvPr id="32" name="TextBox 31">
+            <a:extLst>
+              <a:ext uri="{FF2B5EF4-FFF2-40B4-BE49-F238E27FC236}">
+                <a16:creationId xmlns:a16="http://schemas.microsoft.com/office/drawing/2014/main" id="{BCD4E2EA-1459-904C-9021-E94427315A39}"/>
+              </a:ext>
+            </a:extLst>
+          </p:cNvPr>
+          <p:cNvSpPr txBox="1"/>
+          <p:nvPr/>
+        </p:nvSpPr>
+        <p:spPr>
+          <a:xfrm>
+            <a:off x="1078301" y="5099121"/>
+            <a:ext cx="3493699" cy="369332"/>
+          </a:xfrm>
+          <a:prstGeom prst="rect">
+            <a:avLst/>
+          </a:prstGeom>
+          <a:noFill/>
+        </p:spPr>
+        <p:txBody>
+          <a:bodyPr wrap="square" rtlCol="0">
+            <a:spAutoFit/>
+          </a:bodyPr>
+          <a:lstStyle/>
+          <a:p>
+            <a:pPr algn="ctr"/>
+            <a:r>
+              <a:rPr kumimoji="1" lang="en-US" altLang="ko-KR" dirty="0">
+                <a:solidFill>
+                  <a:schemeClr val="bg1"/>
+                </a:solidFill>
+              </a:rPr>
+              <a:t>Scheduler 3</a:t>
+            </a:r>
+            <a:endParaRPr kumimoji="1" lang="ko-KR" altLang="en-US" dirty="0">
+              <a:solidFill>
+                <a:schemeClr val="bg1"/>
+              </a:solidFill>
+            </a:endParaRPr>
+          </a:p>
+        </p:txBody>
+      </p:sp>
+      <p:sp>
+        <p:nvSpPr>
+          <p:cNvPr id="5" name="TextBox 4">
+            <a:extLst>
+              <a:ext uri="{FF2B5EF4-FFF2-40B4-BE49-F238E27FC236}">
+                <a16:creationId xmlns:a16="http://schemas.microsoft.com/office/drawing/2014/main" id="{16EFA0AA-12FA-A645-9EE6-34022F47488D}"/>
+              </a:ext>
+            </a:extLst>
+          </p:cNvPr>
+          <p:cNvSpPr txBox="1"/>
+          <p:nvPr/>
+        </p:nvSpPr>
+        <p:spPr>
+          <a:xfrm>
+            <a:off x="542382" y="1850466"/>
+            <a:ext cx="6021237" cy="646331"/>
+          </a:xfrm>
+          <a:prstGeom prst="rect">
+            <a:avLst/>
+          </a:prstGeom>
+          <a:noFill/>
+        </p:spPr>
+        <p:txBody>
+          <a:bodyPr wrap="square" rtlCol="0">
+            <a:spAutoFit/>
+          </a:bodyPr>
+          <a:lstStyle/>
+          <a:p>
+            <a:r>
+              <a:rPr kumimoji="1" lang="ko-KR" altLang="en-US" dirty="0"/>
+              <a:t>다음과 같이 하나의 </a:t>
+            </a:r>
+            <a:r>
+              <a:rPr kumimoji="1" lang="en-US" altLang="ko-KR" dirty="0"/>
+              <a:t>Thread</a:t>
+            </a:r>
+            <a:r>
+              <a:rPr kumimoji="1" lang="ko-KR" altLang="en-US" dirty="0"/>
+              <a:t>에 여러 스케줄러 생성 가능</a:t>
+            </a:r>
+            <a:endParaRPr kumimoji="1" lang="en-US" altLang="ko-KR" dirty="0"/>
+          </a:p>
+          <a:p>
+            <a:r>
+              <a:rPr kumimoji="1" lang="ko-KR" altLang="en-US" dirty="0"/>
+              <a:t>또 여러</a:t>
+            </a:r>
+            <a:r>
+              <a:rPr kumimoji="1" lang="en-US" altLang="ko-KR" dirty="0"/>
+              <a:t> Thread</a:t>
+            </a:r>
+            <a:r>
+              <a:rPr kumimoji="1" lang="ko-KR" altLang="en-US" dirty="0"/>
+              <a:t> 위에 하나의 스케줄러 생성 가능</a:t>
+            </a:r>
+          </a:p>
+        </p:txBody>
+      </p:sp>
+      <p:sp>
+        <p:nvSpPr>
+          <p:cNvPr id="37" name="TextBox 36">
+            <a:extLst>
+              <a:ext uri="{FF2B5EF4-FFF2-40B4-BE49-F238E27FC236}">
+                <a16:creationId xmlns:a16="http://schemas.microsoft.com/office/drawing/2014/main" id="{974F6C0D-669A-6E43-A85C-10DCC30B1FE0}"/>
+              </a:ext>
+            </a:extLst>
+          </p:cNvPr>
+          <p:cNvSpPr txBox="1"/>
+          <p:nvPr/>
+        </p:nvSpPr>
+        <p:spPr>
+          <a:xfrm>
+            <a:off x="599532" y="5997872"/>
+            <a:ext cx="6021237" cy="369332"/>
+          </a:xfrm>
+          <a:prstGeom prst="rect">
+            <a:avLst/>
+          </a:prstGeom>
+          <a:noFill/>
+        </p:spPr>
+        <p:txBody>
+          <a:bodyPr wrap="square" rtlCol="0">
+            <a:spAutoFit/>
+          </a:bodyPr>
+          <a:lstStyle/>
+          <a:p>
+            <a:r>
+              <a:rPr kumimoji="1" lang="en-US" altLang="ko-KR" dirty="0"/>
+              <a:t>Thread </a:t>
+            </a:r>
+            <a:r>
+              <a:rPr kumimoji="1" lang="ko-KR" altLang="en-US" dirty="0"/>
+              <a:t>와 </a:t>
+            </a:r>
+            <a:r>
+              <a:rPr kumimoji="1" lang="en-US" altLang="ko-KR" dirty="0"/>
+              <a:t>Scheduler</a:t>
+            </a:r>
+            <a:r>
+              <a:rPr kumimoji="1" lang="ko-KR" altLang="en-US" dirty="0"/>
+              <a:t>는 </a:t>
+            </a:r>
+            <a:r>
+              <a:rPr kumimoji="1" lang="en-US" altLang="ko-KR" dirty="0"/>
+              <a:t>1:1 </a:t>
+            </a:r>
+            <a:r>
+              <a:rPr kumimoji="1" lang="ko-KR" altLang="en-US" dirty="0"/>
+              <a:t>관계가 아니다</a:t>
+            </a:r>
+            <a:r>
+              <a:rPr kumimoji="1" lang="en-US" altLang="ko-KR" dirty="0"/>
+              <a:t>.</a:t>
+            </a:r>
+            <a:endParaRPr kumimoji="1" lang="ko-KR" altLang="en-US" dirty="0"/>
+          </a:p>
+        </p:txBody>
+      </p:sp>
+    </p:spTree>
+    <p:extLst>
+      <p:ext uri="{BB962C8B-B14F-4D97-AF65-F5344CB8AC3E}">
+        <p14:creationId xmlns:p14="http://schemas.microsoft.com/office/powerpoint/2010/main" val="3756817997"/>
+      </p:ext>
+    </p:extLst>
+  </p:cSld>
+  <p:clrMapOvr>
+    <a:masterClrMapping/>
+  </p:clrMapOvr>
+</p:sld>
+</file>
+
+<file path=ppt/slides/slide46.xml><?xml version="1.0" encoding="utf-8"?>
+<p:sld xmlns:a="http://schemas.openxmlformats.org/drawingml/2006/main" xmlns:r="http://schemas.openxmlformats.org/officeDocument/2006/relationships" xmlns:p="http://schemas.openxmlformats.org/presentationml/2006/main">
+  <p:cSld>
+    <p:spTree>
+      <p:nvGrpSpPr>
+        <p:cNvPr id="1" name=""/>
+        <p:cNvGrpSpPr/>
+        <p:nvPr/>
+      </p:nvGrpSpPr>
+      <p:grpSpPr>
+        <a:xfrm>
+          <a:off x="0" y="0"/>
+          <a:ext cx="0" cy="0"/>
+          <a:chOff x="0" y="0"/>
+          <a:chExt cx="0" cy="0"/>
+        </a:xfrm>
+      </p:grpSpPr>
+      <p:sp>
+        <p:nvSpPr>
+          <p:cNvPr id="9" name="제목 1">
+            <a:extLst>
+              <a:ext uri="{FF2B5EF4-FFF2-40B4-BE49-F238E27FC236}">
+                <a16:creationId xmlns:a16="http://schemas.microsoft.com/office/drawing/2014/main" id="{A53EB38A-7981-AE4A-93AE-B59BC554A676}"/>
+              </a:ext>
+            </a:extLst>
+          </p:cNvPr>
+          <p:cNvSpPr txBox="1">
+            <a:spLocks/>
+          </p:cNvSpPr>
+          <p:nvPr/>
+        </p:nvSpPr>
+        <p:spPr>
+          <a:xfrm>
+            <a:off x="285689" y="231676"/>
+            <a:ext cx="8296576" cy="581215"/>
+          </a:xfrm>
+          <a:prstGeom prst="rect">
+            <a:avLst/>
+          </a:prstGeom>
+        </p:spPr>
+        <p:txBody>
+          <a:bodyPr vert="horz" lIns="68580" tIns="34291" rIns="68580" bIns="34291" rtlCol="0" anchor="b">
+            <a:normAutofit/>
+          </a:bodyPr>
+          <a:lstStyle>
+            <a:lvl1pPr algn="ctr" defTabSz="914400" rtl="0" eaLnBrk="1" latinLnBrk="1" hangingPunct="1">
+              <a:lnSpc>
+                <a:spcPct val="90000"/>
+              </a:lnSpc>
+              <a:spcBef>
+                <a:spcPct val="0"/>
+              </a:spcBef>
+              <a:buNone/>
+              <a:defRPr sz="6000" kern="1200">
+                <a:solidFill>
+                  <a:schemeClr val="tx1"/>
+                </a:solidFill>
+                <a:latin typeface="+mj-lt"/>
+                <a:ea typeface="+mj-ea"/>
+                <a:cs typeface="+mj-cs"/>
+              </a:defRPr>
+            </a:lvl1pPr>
+          </a:lstStyle>
+          <a:p>
+            <a:pPr algn="l">
+              <a:defRPr lang="ko-KR" altLang="en-US"/>
+            </a:pPr>
+            <a:r>
+              <a:rPr lang="en-US" altLang="ko-KR" sz="2851" u="sng" dirty="0">
+                <a:solidFill>
+                  <a:srgbClr val="0070C0"/>
+                </a:solidFill>
+                <a:latin typeface="함초롬돋움" panose="020B0604000101010101" pitchFamily="50" charset="-127"/>
+                <a:ea typeface="함초롬돋움" panose="020B0604000101010101" pitchFamily="50" charset="-127"/>
+                <a:cs typeface="함초롬돋움" panose="020B0604000101010101" pitchFamily="50" charset="-127"/>
+              </a:rPr>
+              <a:t>Schedulers</a:t>
+            </a:r>
+          </a:p>
+        </p:txBody>
+      </p:sp>
+      <p:sp>
+        <p:nvSpPr>
+          <p:cNvPr id="2" name="TextBox 1">
+            <a:extLst>
+              <a:ext uri="{FF2B5EF4-FFF2-40B4-BE49-F238E27FC236}">
+                <a16:creationId xmlns:a16="http://schemas.microsoft.com/office/drawing/2014/main" id="{646A747E-32D0-F740-9FDF-69FBFFAC95A6}"/>
+              </a:ext>
+            </a:extLst>
+          </p:cNvPr>
+          <p:cNvSpPr txBox="1"/>
+          <p:nvPr/>
+        </p:nvSpPr>
+        <p:spPr>
+          <a:xfrm>
+            <a:off x="285688" y="974785"/>
+            <a:ext cx="9315511" cy="369332"/>
+          </a:xfrm>
+          <a:prstGeom prst="rect">
+            <a:avLst/>
+          </a:prstGeom>
+          <a:noFill/>
+        </p:spPr>
+        <p:txBody>
+          <a:bodyPr wrap="square" rtlCol="0">
+            <a:spAutoFit/>
+          </a:bodyPr>
+          <a:lstStyle/>
+          <a:p>
+            <a:r>
+              <a:rPr kumimoji="1" lang="en-US" altLang="ko-KR" dirty="0" err="1">
+                <a:highlight>
+                  <a:srgbClr val="FFFF00"/>
+                </a:highlight>
+              </a:rPr>
+              <a:t>subscribeOn</a:t>
+            </a:r>
+            <a:r>
+              <a:rPr kumimoji="1" lang="en-US" altLang="ko-KR" dirty="0">
+                <a:highlight>
+                  <a:srgbClr val="FFFF00"/>
+                </a:highlight>
+              </a:rPr>
+              <a:t> &amp; </a:t>
+            </a:r>
+            <a:r>
+              <a:rPr kumimoji="1" lang="en-US" altLang="ko-KR" dirty="0" err="1">
+                <a:highlight>
+                  <a:srgbClr val="FFFF00"/>
+                </a:highlight>
+              </a:rPr>
+              <a:t>observeOn</a:t>
+            </a:r>
+            <a:endParaRPr kumimoji="1" lang="ko-KR" altLang="en-US" dirty="0">
+              <a:highlight>
+                <a:srgbClr val="FFFF00"/>
+              </a:highlight>
+            </a:endParaRPr>
+          </a:p>
+        </p:txBody>
+      </p:sp>
+      <p:sp>
+        <p:nvSpPr>
+          <p:cNvPr id="3" name="TextBox 2">
+            <a:extLst>
+              <a:ext uri="{FF2B5EF4-FFF2-40B4-BE49-F238E27FC236}">
+                <a16:creationId xmlns:a16="http://schemas.microsoft.com/office/drawing/2014/main" id="{A82A9086-E3C6-E440-9A45-62F29BD3A675}"/>
+              </a:ext>
+            </a:extLst>
+          </p:cNvPr>
+          <p:cNvSpPr txBox="1"/>
+          <p:nvPr/>
+        </p:nvSpPr>
+        <p:spPr>
+          <a:xfrm>
+            <a:off x="405441" y="1344117"/>
+            <a:ext cx="7548113" cy="646331"/>
+          </a:xfrm>
+          <a:prstGeom prst="rect">
+            <a:avLst/>
+          </a:prstGeom>
+          <a:noFill/>
+        </p:spPr>
+        <p:txBody>
+          <a:bodyPr wrap="square" rtlCol="0">
+            <a:spAutoFit/>
+          </a:bodyPr>
+          <a:lstStyle/>
+          <a:p>
+            <a:r>
+              <a:rPr kumimoji="1" lang="en-US" altLang="ko-KR" dirty="0" err="1"/>
+              <a:t>subscribeOn</a:t>
+            </a:r>
+            <a:r>
+              <a:rPr kumimoji="1" lang="ko-KR" altLang="en-US" dirty="0"/>
+              <a:t>은 </a:t>
+            </a:r>
+            <a:r>
+              <a:rPr kumimoji="1" lang="en-US" altLang="ko-KR" dirty="0"/>
+              <a:t>Observable</a:t>
+            </a:r>
+            <a:r>
+              <a:rPr kumimoji="1" lang="ko-KR" altLang="en-US" dirty="0"/>
+              <a:t>이 동작하는 스케줄러를 변경</a:t>
+            </a:r>
+            <a:endParaRPr kumimoji="1" lang="en-US" altLang="ko-KR" dirty="0"/>
+          </a:p>
+          <a:p>
+            <a:r>
+              <a:rPr kumimoji="1" lang="en-US" altLang="ko-KR" dirty="0" err="1"/>
+              <a:t>observeOn</a:t>
+            </a:r>
+            <a:r>
+              <a:rPr kumimoji="1" lang="ko-KR" altLang="en-US" dirty="0"/>
+              <a:t>은 </a:t>
+            </a:r>
+            <a:r>
+              <a:rPr kumimoji="1" lang="en-US" altLang="ko-KR" dirty="0"/>
+              <a:t>Observable</a:t>
+            </a:r>
+            <a:r>
+              <a:rPr kumimoji="1" lang="ko-KR" altLang="en-US" dirty="0"/>
+              <a:t>이 </a:t>
+            </a:r>
+            <a:r>
+              <a:rPr kumimoji="1" lang="en-US" altLang="ko-KR" dirty="0"/>
+              <a:t>Observer</a:t>
+            </a:r>
+            <a:r>
+              <a:rPr kumimoji="1" lang="ko-KR" altLang="en-US" dirty="0"/>
+              <a:t>에게 알림을 보내는 스케줄러 변경</a:t>
+            </a:r>
+          </a:p>
+        </p:txBody>
+      </p:sp>
+      <p:pic>
+        <p:nvPicPr>
+          <p:cNvPr id="6" name="그림 5">
+            <a:extLst>
+              <a:ext uri="{FF2B5EF4-FFF2-40B4-BE49-F238E27FC236}">
+                <a16:creationId xmlns:a16="http://schemas.microsoft.com/office/drawing/2014/main" id="{A74CC535-38A9-3E43-889A-4018B8F4030A}"/>
+              </a:ext>
+            </a:extLst>
+          </p:cNvPr>
+          <p:cNvPicPr>
+            <a:picLocks noChangeAspect="1"/>
+          </p:cNvPicPr>
+          <p:nvPr/>
+        </p:nvPicPr>
+        <p:blipFill>
+          <a:blip r:embed="rId3"/>
+          <a:stretch>
+            <a:fillRect/>
+          </a:stretch>
+        </p:blipFill>
+        <p:spPr>
+          <a:xfrm>
+            <a:off x="424813" y="2011192"/>
+            <a:ext cx="3754684" cy="4615132"/>
+          </a:xfrm>
+          <a:prstGeom prst="rect">
+            <a:avLst/>
+          </a:prstGeom>
+        </p:spPr>
+      </p:pic>
+      <p:sp>
+        <p:nvSpPr>
+          <p:cNvPr id="7" name="TextBox 6">
+            <a:extLst>
+              <a:ext uri="{FF2B5EF4-FFF2-40B4-BE49-F238E27FC236}">
+                <a16:creationId xmlns:a16="http://schemas.microsoft.com/office/drawing/2014/main" id="{29F7A671-1675-5A4F-9104-54812133783D}"/>
+              </a:ext>
+            </a:extLst>
+          </p:cNvPr>
+          <p:cNvSpPr txBox="1"/>
+          <p:nvPr/>
+        </p:nvSpPr>
+        <p:spPr>
+          <a:xfrm>
+            <a:off x="4433977" y="3429000"/>
+            <a:ext cx="4442603" cy="923330"/>
+          </a:xfrm>
+          <a:prstGeom prst="rect">
+            <a:avLst/>
+          </a:prstGeom>
+          <a:noFill/>
+        </p:spPr>
+        <p:txBody>
+          <a:bodyPr wrap="square" rtlCol="0">
+            <a:spAutoFit/>
+          </a:bodyPr>
+          <a:lstStyle/>
+          <a:p>
+            <a:r>
+              <a:rPr kumimoji="1" lang="en-US" altLang="ko-KR" dirty="0" err="1"/>
+              <a:t>observeOn</a:t>
+            </a:r>
+            <a:r>
+              <a:rPr kumimoji="1" lang="en-US" altLang="ko-KR" dirty="0"/>
+              <a:t> -&gt;</a:t>
+            </a:r>
+            <a:r>
+              <a:rPr kumimoji="1" lang="ko-KR" altLang="en-US" dirty="0"/>
+              <a:t> 호출 이후 </a:t>
+            </a:r>
+            <a:r>
+              <a:rPr kumimoji="1" lang="ko-KR" altLang="en-US" dirty="0" err="1"/>
+              <a:t>부터</a:t>
+            </a:r>
+            <a:r>
+              <a:rPr kumimoji="1" lang="ko-KR" altLang="en-US" dirty="0"/>
+              <a:t> 적용</a:t>
+            </a:r>
+            <a:endParaRPr kumimoji="1" lang="en-US" altLang="ko-KR" dirty="0"/>
+          </a:p>
+          <a:p>
+            <a:r>
+              <a:rPr kumimoji="1" lang="en-US" altLang="ko-KR" dirty="0" err="1"/>
+              <a:t>subscribeOn</a:t>
+            </a:r>
+            <a:r>
+              <a:rPr kumimoji="1" lang="en-US" altLang="ko-KR" dirty="0"/>
+              <a:t> -&gt; </a:t>
+            </a:r>
+            <a:r>
+              <a:rPr kumimoji="1" lang="ko-KR" altLang="en-US" dirty="0"/>
+              <a:t>호출 시점과 상관없이 전체에 적용</a:t>
+            </a:r>
+          </a:p>
+        </p:txBody>
+      </p:sp>
+    </p:spTree>
+    <p:extLst>
+      <p:ext uri="{BB962C8B-B14F-4D97-AF65-F5344CB8AC3E}">
+        <p14:creationId xmlns:p14="http://schemas.microsoft.com/office/powerpoint/2010/main" val="2344180176"/>
+      </p:ext>
+    </p:extLst>
+  </p:cSld>
+  <p:clrMapOvr>
+    <a:masterClrMapping/>
+  </p:clrMapOvr>
+</p:sld>
+</file>
+
+<file path=ppt/slides/slide47.xml><?xml version="1.0" encoding="utf-8"?>
+<p:sld xmlns:a="http://schemas.openxmlformats.org/drawingml/2006/main" xmlns:r="http://schemas.openxmlformats.org/officeDocument/2006/relationships" xmlns:p="http://schemas.openxmlformats.org/presentationml/2006/main">
+  <p:cSld>
+    <p:spTree>
+      <p:nvGrpSpPr>
+        <p:cNvPr id="1" name=""/>
+        <p:cNvGrpSpPr/>
+        <p:nvPr/>
+      </p:nvGrpSpPr>
+      <p:grpSpPr>
+        <a:xfrm>
+          <a:off x="0" y="0"/>
+          <a:ext cx="0" cy="0"/>
+          <a:chOff x="0" y="0"/>
+          <a:chExt cx="0" cy="0"/>
+        </a:xfrm>
+      </p:grpSpPr>
+      <p:sp>
+        <p:nvSpPr>
+          <p:cNvPr id="9" name="제목 1">
+            <a:extLst>
+              <a:ext uri="{FF2B5EF4-FFF2-40B4-BE49-F238E27FC236}">
+                <a16:creationId xmlns:a16="http://schemas.microsoft.com/office/drawing/2014/main" id="{A53EB38A-7981-AE4A-93AE-B59BC554A676}"/>
+              </a:ext>
+            </a:extLst>
+          </p:cNvPr>
+          <p:cNvSpPr txBox="1">
+            <a:spLocks/>
+          </p:cNvSpPr>
+          <p:nvPr/>
+        </p:nvSpPr>
+        <p:spPr>
+          <a:xfrm>
+            <a:off x="285689" y="231676"/>
+            <a:ext cx="8296576" cy="581215"/>
+          </a:xfrm>
+          <a:prstGeom prst="rect">
+            <a:avLst/>
+          </a:prstGeom>
+        </p:spPr>
+        <p:txBody>
+          <a:bodyPr vert="horz" lIns="68580" tIns="34291" rIns="68580" bIns="34291" rtlCol="0" anchor="b">
+            <a:normAutofit/>
+          </a:bodyPr>
+          <a:lstStyle>
+            <a:lvl1pPr algn="ctr" defTabSz="914400" rtl="0" eaLnBrk="1" latinLnBrk="1" hangingPunct="1">
+              <a:lnSpc>
+                <a:spcPct val="90000"/>
+              </a:lnSpc>
+              <a:spcBef>
+                <a:spcPct val="0"/>
+              </a:spcBef>
+              <a:buNone/>
+              <a:defRPr sz="6000" kern="1200">
+                <a:solidFill>
+                  <a:schemeClr val="tx1"/>
+                </a:solidFill>
+                <a:latin typeface="+mj-lt"/>
+                <a:ea typeface="+mj-ea"/>
+                <a:cs typeface="+mj-cs"/>
+              </a:defRPr>
+            </a:lvl1pPr>
+          </a:lstStyle>
+          <a:p>
+            <a:pPr algn="l">
+              <a:defRPr lang="ko-KR" altLang="en-US"/>
+            </a:pPr>
+            <a:r>
+              <a:rPr lang="en-US" altLang="ko-KR" sz="2851" u="sng" dirty="0">
+                <a:solidFill>
+                  <a:srgbClr val="0070C0"/>
+                </a:solidFill>
+                <a:latin typeface="함초롬돋움" panose="020B0604000101010101" pitchFamily="50" charset="-127"/>
+                <a:ea typeface="함초롬돋움" panose="020B0604000101010101" pitchFamily="50" charset="-127"/>
+                <a:cs typeface="함초롬돋움" panose="020B0604000101010101" pitchFamily="50" charset="-127"/>
+              </a:rPr>
+              <a:t>Schedulers</a:t>
+            </a:r>
+          </a:p>
+        </p:txBody>
+      </p:sp>
+      <p:sp>
+        <p:nvSpPr>
+          <p:cNvPr id="2" name="TextBox 1">
+            <a:extLst>
+              <a:ext uri="{FF2B5EF4-FFF2-40B4-BE49-F238E27FC236}">
+                <a16:creationId xmlns:a16="http://schemas.microsoft.com/office/drawing/2014/main" id="{646A747E-32D0-F740-9FDF-69FBFFAC95A6}"/>
+              </a:ext>
+            </a:extLst>
+          </p:cNvPr>
+          <p:cNvSpPr txBox="1"/>
+          <p:nvPr/>
+        </p:nvSpPr>
+        <p:spPr>
+          <a:xfrm>
+            <a:off x="285689" y="879895"/>
+            <a:ext cx="9315511" cy="369332"/>
+          </a:xfrm>
+          <a:prstGeom prst="rect">
+            <a:avLst/>
+          </a:prstGeom>
+          <a:noFill/>
+        </p:spPr>
+        <p:txBody>
+          <a:bodyPr wrap="square" rtlCol="0">
+            <a:spAutoFit/>
+          </a:bodyPr>
+          <a:lstStyle/>
+          <a:p>
+            <a:r>
+              <a:rPr kumimoji="1" lang="en-US" altLang="ko-KR" dirty="0" err="1">
+                <a:highlight>
+                  <a:srgbClr val="FFFF00"/>
+                </a:highlight>
+              </a:rPr>
+              <a:t>subscribeOn</a:t>
+            </a:r>
+            <a:r>
+              <a:rPr kumimoji="1" lang="en-US" altLang="ko-KR" dirty="0">
+                <a:highlight>
+                  <a:srgbClr val="FFFF00"/>
+                </a:highlight>
+              </a:rPr>
+              <a:t> &amp; </a:t>
+            </a:r>
+            <a:r>
+              <a:rPr kumimoji="1" lang="en-US" altLang="ko-KR" dirty="0" err="1">
+                <a:highlight>
+                  <a:srgbClr val="FFFF00"/>
+                </a:highlight>
+              </a:rPr>
+              <a:t>observeOn</a:t>
+            </a:r>
+            <a:endParaRPr kumimoji="1" lang="ko-KR" altLang="en-US" dirty="0">
+              <a:highlight>
+                <a:srgbClr val="FFFF00"/>
+              </a:highlight>
+            </a:endParaRPr>
+          </a:p>
+        </p:txBody>
+      </p:sp>
+      <p:sp>
+        <p:nvSpPr>
+          <p:cNvPr id="4" name="TextBox 3">
+            <a:extLst>
+              <a:ext uri="{FF2B5EF4-FFF2-40B4-BE49-F238E27FC236}">
+                <a16:creationId xmlns:a16="http://schemas.microsoft.com/office/drawing/2014/main" id="{EBC34B93-310E-5146-9069-C9D33295CE0B}"/>
+              </a:ext>
+            </a:extLst>
+          </p:cNvPr>
+          <p:cNvSpPr txBox="1"/>
+          <p:nvPr/>
+        </p:nvSpPr>
+        <p:spPr>
+          <a:xfrm>
+            <a:off x="448573" y="1354347"/>
+            <a:ext cx="8583283" cy="646331"/>
+          </a:xfrm>
+          <a:prstGeom prst="rect">
+            <a:avLst/>
+          </a:prstGeom>
+          <a:noFill/>
+        </p:spPr>
+        <p:txBody>
+          <a:bodyPr wrap="square" rtlCol="0">
+            <a:spAutoFit/>
+          </a:bodyPr>
+          <a:lstStyle/>
+          <a:p>
+            <a:r>
+              <a:rPr kumimoji="1" lang="ko-KR" altLang="en-US" dirty="0"/>
+              <a:t>기본적으로 </a:t>
+            </a:r>
+            <a:r>
+              <a:rPr kumimoji="1" lang="en-US" altLang="ko-KR" dirty="0"/>
+              <a:t>Observable </a:t>
+            </a:r>
+            <a:r>
+              <a:rPr kumimoji="1" lang="ko-KR" altLang="en-US" dirty="0"/>
+              <a:t>연산자는 </a:t>
+            </a:r>
+            <a:r>
+              <a:rPr kumimoji="1" lang="en-US" altLang="ko-KR" dirty="0"/>
+              <a:t>subscribe</a:t>
+            </a:r>
+            <a:r>
+              <a:rPr kumimoji="1" lang="ko-KR" altLang="en-US" dirty="0"/>
+              <a:t>을 호출한 </a:t>
+            </a:r>
+            <a:r>
+              <a:rPr kumimoji="1" lang="en-US" altLang="ko-KR" dirty="0"/>
+              <a:t>Thread</a:t>
+            </a:r>
+            <a:r>
+              <a:rPr kumimoji="1" lang="ko-KR" altLang="en-US" dirty="0" err="1"/>
+              <a:t>를</a:t>
+            </a:r>
+            <a:r>
+              <a:rPr kumimoji="1" lang="ko-KR" altLang="en-US" dirty="0"/>
+              <a:t> 사용하여 </a:t>
+            </a:r>
+            <a:r>
+              <a:rPr kumimoji="1" lang="ko-KR" altLang="en-US" dirty="0" err="1"/>
+              <a:t>옵저버에게</a:t>
+            </a:r>
+            <a:r>
+              <a:rPr kumimoji="1" lang="ko-KR" altLang="en-US" dirty="0"/>
+              <a:t> 알림을 보냄</a:t>
+            </a:r>
+          </a:p>
+        </p:txBody>
+      </p:sp>
+      <p:pic>
+        <p:nvPicPr>
+          <p:cNvPr id="5" name="그림 4">
+            <a:extLst>
+              <a:ext uri="{FF2B5EF4-FFF2-40B4-BE49-F238E27FC236}">
+                <a16:creationId xmlns:a16="http://schemas.microsoft.com/office/drawing/2014/main" id="{F80013EA-F51C-0347-AD08-A86CB4CFF893}"/>
+              </a:ext>
+            </a:extLst>
+          </p:cNvPr>
+          <p:cNvPicPr>
+            <a:picLocks noChangeAspect="1"/>
+          </p:cNvPicPr>
+          <p:nvPr/>
+        </p:nvPicPr>
+        <p:blipFill>
+          <a:blip r:embed="rId3"/>
+          <a:stretch>
+            <a:fillRect/>
+          </a:stretch>
+        </p:blipFill>
+        <p:spPr>
+          <a:xfrm>
+            <a:off x="638235" y="2411442"/>
+            <a:ext cx="7073900" cy="2552700"/>
+          </a:xfrm>
+          <a:prstGeom prst="rect">
+            <a:avLst/>
+          </a:prstGeom>
+        </p:spPr>
+      </p:pic>
+      <p:sp>
+        <p:nvSpPr>
+          <p:cNvPr id="8" name="TextBox 7">
+            <a:extLst>
+              <a:ext uri="{FF2B5EF4-FFF2-40B4-BE49-F238E27FC236}">
+                <a16:creationId xmlns:a16="http://schemas.microsoft.com/office/drawing/2014/main" id="{509C7D6C-7C3D-CC4D-98F6-4546637019D0}"/>
+              </a:ext>
+            </a:extLst>
+          </p:cNvPr>
+          <p:cNvSpPr txBox="1"/>
+          <p:nvPr/>
+        </p:nvSpPr>
+        <p:spPr>
+          <a:xfrm>
+            <a:off x="638235" y="5098211"/>
+            <a:ext cx="6659712" cy="1754326"/>
+          </a:xfrm>
+          <a:prstGeom prst="rect">
+            <a:avLst/>
+          </a:prstGeom>
+          <a:noFill/>
+        </p:spPr>
+        <p:txBody>
+          <a:bodyPr wrap="square" rtlCol="0">
+            <a:spAutoFit/>
+          </a:bodyPr>
+          <a:lstStyle/>
+          <a:p>
+            <a:r>
+              <a:rPr kumimoji="1" lang="ko-KR" altLang="en-US" dirty="0"/>
+              <a:t>비동기 처리를 위해 별도의 </a:t>
+            </a:r>
+            <a:r>
+              <a:rPr kumimoji="1" lang="en-US" altLang="ko-KR" dirty="0"/>
+              <a:t>Scheduler</a:t>
+            </a:r>
+            <a:r>
+              <a:rPr kumimoji="1" lang="ko-KR" altLang="en-US" dirty="0"/>
+              <a:t>에서</a:t>
+            </a:r>
+            <a:r>
+              <a:rPr kumimoji="1" lang="en-US" altLang="ko-KR" dirty="0"/>
+              <a:t> Observable </a:t>
+            </a:r>
+            <a:r>
+              <a:rPr kumimoji="1" lang="ko-KR" altLang="en-US" dirty="0"/>
+              <a:t>연산 실행</a:t>
+            </a:r>
+            <a:endParaRPr kumimoji="1" lang="en-US" altLang="ko-KR" dirty="0"/>
+          </a:p>
+          <a:p>
+            <a:endParaRPr kumimoji="1" lang="en-US" altLang="ko-KR" dirty="0"/>
+          </a:p>
+          <a:p>
+            <a:r>
+              <a:rPr kumimoji="1" lang="ko-KR" altLang="en-US" dirty="0"/>
+              <a:t>연산 후 </a:t>
+            </a:r>
+            <a:r>
+              <a:rPr kumimoji="1" lang="en-US" altLang="ko-KR" dirty="0"/>
+              <a:t>UI </a:t>
+            </a:r>
+            <a:r>
+              <a:rPr kumimoji="1" lang="ko-KR" altLang="en-US" dirty="0"/>
+              <a:t>변경을 위해 </a:t>
+            </a:r>
+            <a:r>
+              <a:rPr kumimoji="1" lang="en-US" altLang="ko-KR" dirty="0" err="1"/>
+              <a:t>MainScheduler</a:t>
+            </a:r>
+            <a:r>
+              <a:rPr kumimoji="1" lang="ko-KR" altLang="en-US" dirty="0" err="1"/>
+              <a:t>를</a:t>
+            </a:r>
+            <a:r>
+              <a:rPr kumimoji="1" lang="ko-KR" altLang="en-US" dirty="0"/>
+              <a:t> 통해 </a:t>
+            </a:r>
+            <a:r>
+              <a:rPr kumimoji="1" lang="en-US" altLang="ko-KR" dirty="0"/>
+              <a:t>bind</a:t>
+            </a:r>
+          </a:p>
+          <a:p>
+            <a:endParaRPr kumimoji="1" lang="en-US" altLang="ko-KR" dirty="0"/>
+          </a:p>
+          <a:p>
+            <a:r>
+              <a:rPr kumimoji="1" lang="ko-KR" altLang="en-US" dirty="0"/>
+              <a:t>메인 </a:t>
+            </a:r>
+            <a:r>
+              <a:rPr kumimoji="1" lang="ko-KR" altLang="en-US" dirty="0" err="1"/>
+              <a:t>쓰레드에서</a:t>
+            </a:r>
+            <a:r>
+              <a:rPr kumimoji="1" lang="ko-KR" altLang="en-US" dirty="0"/>
+              <a:t> </a:t>
+            </a:r>
+            <a:r>
+              <a:rPr kumimoji="1" lang="en-US" altLang="ko-KR" dirty="0"/>
+              <a:t>bind</a:t>
+            </a:r>
+            <a:r>
+              <a:rPr kumimoji="1" lang="ko-KR" altLang="en-US" dirty="0" err="1"/>
+              <a:t>를</a:t>
+            </a:r>
+            <a:r>
+              <a:rPr kumimoji="1" lang="ko-KR" altLang="en-US" dirty="0"/>
+              <a:t> 했기 때문에 반드시 </a:t>
+            </a:r>
+            <a:r>
+              <a:rPr kumimoji="1" lang="en-US" altLang="ko-KR" dirty="0"/>
+              <a:t>Scheduler </a:t>
+            </a:r>
+            <a:r>
+              <a:rPr kumimoji="1" lang="ko-KR" altLang="en-US" dirty="0"/>
+              <a:t>변경 후 </a:t>
+            </a:r>
+            <a:endParaRPr kumimoji="1" lang="en-US" altLang="ko-KR" dirty="0"/>
+          </a:p>
+          <a:p>
+            <a:r>
+              <a:rPr kumimoji="1" lang="ko-KR" altLang="en-US" dirty="0"/>
+              <a:t> </a:t>
+            </a:r>
+            <a:r>
+              <a:rPr kumimoji="1" lang="en-US" altLang="ko-KR" dirty="0"/>
+              <a:t>bind </a:t>
+            </a:r>
+            <a:r>
+              <a:rPr kumimoji="1" lang="ko-KR" altLang="en-US" dirty="0"/>
+              <a:t>할 때 메인 </a:t>
+            </a:r>
+            <a:r>
+              <a:rPr kumimoji="1" lang="ko-KR" altLang="en-US" dirty="0" err="1"/>
+              <a:t>쓰레드로</a:t>
+            </a:r>
+            <a:r>
+              <a:rPr kumimoji="1" lang="ko-KR" altLang="en-US" dirty="0"/>
+              <a:t> 돌아와야 한다</a:t>
+            </a:r>
+            <a:r>
+              <a:rPr kumimoji="1" lang="en-US" altLang="ko-KR" dirty="0"/>
+              <a:t>.</a:t>
+            </a:r>
+            <a:endParaRPr kumimoji="1" lang="ko-KR" altLang="en-US" dirty="0"/>
+          </a:p>
+        </p:txBody>
+      </p:sp>
+    </p:spTree>
+    <p:extLst>
+      <p:ext uri="{BB962C8B-B14F-4D97-AF65-F5344CB8AC3E}">
+        <p14:creationId xmlns:p14="http://schemas.microsoft.com/office/powerpoint/2010/main" val="3006802383"/>
+      </p:ext>
+    </p:extLst>
+  </p:cSld>
+  <p:clrMapOvr>
+    <a:masterClrMapping/>
+  </p:clrMapOvr>
+</p:sld>
+</file>
+
+<file path=ppt/slides/slide48.xml><?xml version="1.0" encoding="utf-8"?>
+<p:sld xmlns:a="http://schemas.openxmlformats.org/drawingml/2006/main" xmlns:r="http://schemas.openxmlformats.org/officeDocument/2006/relationships" xmlns:p="http://schemas.openxmlformats.org/presentationml/2006/main">
+  <p:cSld>
+    <p:spTree>
+      <p:nvGrpSpPr>
+        <p:cNvPr id="1" name=""/>
+        <p:cNvGrpSpPr/>
+        <p:nvPr/>
+      </p:nvGrpSpPr>
+      <p:grpSpPr>
+        <a:xfrm>
+          <a:off x="0" y="0"/>
+          <a:ext cx="0" cy="0"/>
+          <a:chOff x="0" y="0"/>
+          <a:chExt cx="0" cy="0"/>
+        </a:xfrm>
+      </p:grpSpPr>
+      <p:sp>
+        <p:nvSpPr>
+          <p:cNvPr id="9" name="제목 1">
+            <a:extLst>
+              <a:ext uri="{FF2B5EF4-FFF2-40B4-BE49-F238E27FC236}">
+                <a16:creationId xmlns:a16="http://schemas.microsoft.com/office/drawing/2014/main" id="{A53EB38A-7981-AE4A-93AE-B59BC554A676}"/>
+              </a:ext>
+            </a:extLst>
+          </p:cNvPr>
+          <p:cNvSpPr txBox="1">
+            <a:spLocks/>
+          </p:cNvSpPr>
+          <p:nvPr/>
+        </p:nvSpPr>
+        <p:spPr>
+          <a:xfrm>
+            <a:off x="285689" y="231676"/>
+            <a:ext cx="8296576" cy="581215"/>
+          </a:xfrm>
+          <a:prstGeom prst="rect">
+            <a:avLst/>
+          </a:prstGeom>
+        </p:spPr>
+        <p:txBody>
+          <a:bodyPr vert="horz" lIns="68580" tIns="34291" rIns="68580" bIns="34291" rtlCol="0" anchor="b">
+            <a:normAutofit/>
+          </a:bodyPr>
+          <a:lstStyle>
+            <a:lvl1pPr algn="ctr" defTabSz="914400" rtl="0" eaLnBrk="1" latinLnBrk="1" hangingPunct="1">
+              <a:lnSpc>
+                <a:spcPct val="90000"/>
+              </a:lnSpc>
+              <a:spcBef>
+                <a:spcPct val="0"/>
+              </a:spcBef>
+              <a:buNone/>
+              <a:defRPr sz="6000" kern="1200">
+                <a:solidFill>
+                  <a:schemeClr val="tx1"/>
+                </a:solidFill>
+                <a:latin typeface="+mj-lt"/>
+                <a:ea typeface="+mj-ea"/>
+                <a:cs typeface="+mj-cs"/>
+              </a:defRPr>
+            </a:lvl1pPr>
+          </a:lstStyle>
+          <a:p>
+            <a:pPr algn="l">
+              <a:defRPr lang="ko-KR" altLang="en-US"/>
+            </a:pPr>
+            <a:r>
+              <a:rPr lang="en-US" altLang="ko-KR" sz="2851" u="sng" dirty="0">
+                <a:solidFill>
+                  <a:srgbClr val="0070C0"/>
+                </a:solidFill>
+                <a:latin typeface="함초롬돋움" panose="020B0604000101010101" pitchFamily="50" charset="-127"/>
+                <a:ea typeface="함초롬돋움" panose="020B0604000101010101" pitchFamily="50" charset="-127"/>
+                <a:cs typeface="함초롬돋움" panose="020B0604000101010101" pitchFamily="50" charset="-127"/>
+              </a:rPr>
+              <a:t>Schedulers</a:t>
+            </a:r>
+          </a:p>
+        </p:txBody>
+      </p:sp>
+      <p:sp>
+        <p:nvSpPr>
+          <p:cNvPr id="3" name="TextBox 2">
+            <a:extLst>
+              <a:ext uri="{FF2B5EF4-FFF2-40B4-BE49-F238E27FC236}">
+                <a16:creationId xmlns:a16="http://schemas.microsoft.com/office/drawing/2014/main" id="{05421723-067B-5644-8477-B61834F7AEF7}"/>
+              </a:ext>
+            </a:extLst>
+          </p:cNvPr>
+          <p:cNvSpPr txBox="1"/>
+          <p:nvPr/>
+        </p:nvSpPr>
+        <p:spPr>
+          <a:xfrm>
+            <a:off x="491705" y="1268083"/>
+            <a:ext cx="6892506" cy="369332"/>
+          </a:xfrm>
+          <a:prstGeom prst="rect">
+            <a:avLst/>
+          </a:prstGeom>
+          <a:noFill/>
+        </p:spPr>
+        <p:txBody>
+          <a:bodyPr wrap="square" rtlCol="0">
+            <a:spAutoFit/>
+          </a:bodyPr>
+          <a:lstStyle/>
+          <a:p>
+            <a:r>
+              <a:rPr kumimoji="1" lang="en-US" altLang="ko-KR" dirty="0"/>
+              <a:t>Serial vs Concurrent schedulers</a:t>
+            </a:r>
+          </a:p>
+        </p:txBody>
+      </p:sp>
+      <p:sp>
+        <p:nvSpPr>
+          <p:cNvPr id="10" name="TextBox 9">
+            <a:extLst>
+              <a:ext uri="{FF2B5EF4-FFF2-40B4-BE49-F238E27FC236}">
+                <a16:creationId xmlns:a16="http://schemas.microsoft.com/office/drawing/2014/main" id="{522EB78A-24C3-2948-8BF9-9B2D56111496}"/>
+              </a:ext>
+            </a:extLst>
+          </p:cNvPr>
+          <p:cNvSpPr txBox="1"/>
+          <p:nvPr/>
+        </p:nvSpPr>
+        <p:spPr>
+          <a:xfrm>
+            <a:off x="790754" y="1675028"/>
+            <a:ext cx="6892506" cy="646331"/>
+          </a:xfrm>
+          <a:prstGeom prst="rect">
+            <a:avLst/>
+          </a:prstGeom>
+          <a:noFill/>
+        </p:spPr>
+        <p:txBody>
+          <a:bodyPr wrap="square" rtlCol="0">
+            <a:spAutoFit/>
+          </a:bodyPr>
+          <a:lstStyle/>
+          <a:p>
+            <a:pPr marL="285750" indent="-285750">
+              <a:buFont typeface="Arial" panose="020B0604020202020204" pitchFamily="34" charset="0"/>
+              <a:buChar char="•"/>
+            </a:pPr>
+            <a:r>
+              <a:rPr kumimoji="1" lang="en-US" altLang="ko-KR" dirty="0"/>
+              <a:t>Serial scheduler</a:t>
+            </a:r>
+            <a:r>
+              <a:rPr kumimoji="1" lang="ko-KR" altLang="en-US" dirty="0" err="1"/>
+              <a:t>를</a:t>
+            </a:r>
+            <a:r>
+              <a:rPr kumimoji="1" lang="ko-KR" altLang="en-US" dirty="0"/>
+              <a:t> 사용하면 작업을 순차적으로 진행</a:t>
+            </a:r>
+            <a:endParaRPr kumimoji="1" lang="en-US" altLang="ko-KR" dirty="0"/>
+          </a:p>
+          <a:p>
+            <a:pPr marL="285750" indent="-285750">
+              <a:buFont typeface="Arial" panose="020B0604020202020204" pitchFamily="34" charset="0"/>
+              <a:buChar char="•"/>
+            </a:pPr>
+            <a:r>
+              <a:rPr kumimoji="1" lang="en-US" altLang="ko-KR" dirty="0"/>
+              <a:t>Concurrent scheduler</a:t>
+            </a:r>
+            <a:r>
+              <a:rPr kumimoji="1" lang="ko-KR" altLang="en-US" dirty="0" err="1"/>
+              <a:t>를</a:t>
+            </a:r>
+            <a:r>
+              <a:rPr kumimoji="1" lang="ko-KR" altLang="en-US" dirty="0"/>
+              <a:t> 사용하면 작업을 병렬로 진행</a:t>
+            </a:r>
+            <a:endParaRPr kumimoji="1" lang="en-US" altLang="ko-KR" dirty="0"/>
+          </a:p>
+        </p:txBody>
+      </p:sp>
+      <p:sp>
+        <p:nvSpPr>
+          <p:cNvPr id="11" name="TextBox 10">
+            <a:extLst>
+              <a:ext uri="{FF2B5EF4-FFF2-40B4-BE49-F238E27FC236}">
+                <a16:creationId xmlns:a16="http://schemas.microsoft.com/office/drawing/2014/main" id="{0D55779A-2DDB-7D47-9C59-CCDAD4B0D531}"/>
+              </a:ext>
+            </a:extLst>
+          </p:cNvPr>
+          <p:cNvSpPr txBox="1"/>
+          <p:nvPr/>
+        </p:nvSpPr>
+        <p:spPr>
+          <a:xfrm>
+            <a:off x="491705" y="2690336"/>
+            <a:ext cx="6892506" cy="1477328"/>
+          </a:xfrm>
+          <a:prstGeom prst="rect">
+            <a:avLst/>
+          </a:prstGeom>
+          <a:noFill/>
+        </p:spPr>
+        <p:txBody>
+          <a:bodyPr wrap="square" rtlCol="0">
+            <a:spAutoFit/>
+          </a:bodyPr>
+          <a:lstStyle/>
+          <a:p>
+            <a:r>
+              <a:rPr kumimoji="1" lang="en-US" altLang="ko-KR" b="1" dirty="0" err="1"/>
+              <a:t>MainScheduler</a:t>
+            </a:r>
+            <a:endParaRPr kumimoji="1" lang="en-US" altLang="ko-KR" b="1" dirty="0"/>
+          </a:p>
+          <a:p>
+            <a:r>
+              <a:rPr kumimoji="1" lang="en-US" altLang="ko-KR" dirty="0"/>
+              <a:t>    Main Thread </a:t>
+            </a:r>
+            <a:r>
+              <a:rPr kumimoji="1" lang="ko-KR" altLang="en-US" dirty="0"/>
+              <a:t>위에서 동작</a:t>
+            </a:r>
+            <a:endParaRPr kumimoji="1" lang="en-US" altLang="ko-KR" dirty="0"/>
+          </a:p>
+          <a:p>
+            <a:r>
+              <a:rPr kumimoji="1" lang="ko-KR" altLang="en-US" dirty="0"/>
+              <a:t>    </a:t>
+            </a:r>
+            <a:r>
+              <a:rPr kumimoji="1" lang="en-US" altLang="ko-KR" dirty="0"/>
+              <a:t>UI component</a:t>
+            </a:r>
+            <a:r>
+              <a:rPr kumimoji="1" lang="ko-KR" altLang="en-US" dirty="0"/>
+              <a:t>나 다른 높은 우선순위의 작업을 위해 사용</a:t>
+            </a:r>
+            <a:endParaRPr kumimoji="1" lang="en-US" altLang="ko-KR" dirty="0"/>
+          </a:p>
+          <a:p>
+            <a:r>
+              <a:rPr kumimoji="1" lang="ko-KR" altLang="en-US" dirty="0"/>
+              <a:t>    오랜 시간 동작하는 프로그램에서는 이 스케줄러 사용 지향</a:t>
+            </a:r>
+            <a:endParaRPr kumimoji="1" lang="en-US" altLang="ko-KR" dirty="0"/>
+          </a:p>
+          <a:p>
+            <a:r>
+              <a:rPr kumimoji="1" lang="ko-KR" altLang="en-US" dirty="0"/>
+              <a:t>        </a:t>
+            </a:r>
+            <a:r>
+              <a:rPr kumimoji="1" lang="en-US" altLang="ko-KR" dirty="0"/>
+              <a:t>ex ) </a:t>
+            </a:r>
+            <a:r>
+              <a:rPr kumimoji="1" lang="ko-KR" altLang="en-US" dirty="0"/>
+              <a:t>서버 요청 또는 다른 무거운 작업</a:t>
+            </a:r>
+            <a:endParaRPr kumimoji="1" lang="en-US" altLang="ko-KR" dirty="0"/>
+          </a:p>
+        </p:txBody>
+      </p:sp>
+      <p:sp>
+        <p:nvSpPr>
+          <p:cNvPr id="6" name="TextBox 5">
+            <a:extLst>
+              <a:ext uri="{FF2B5EF4-FFF2-40B4-BE49-F238E27FC236}">
+                <a16:creationId xmlns:a16="http://schemas.microsoft.com/office/drawing/2014/main" id="{1F3BFED5-A397-6F4C-AFC0-A662C381D70D}"/>
+              </a:ext>
+            </a:extLst>
+          </p:cNvPr>
+          <p:cNvSpPr txBox="1"/>
+          <p:nvPr/>
+        </p:nvSpPr>
+        <p:spPr>
+          <a:xfrm>
+            <a:off x="491705" y="812891"/>
+            <a:ext cx="2225616" cy="368928"/>
+          </a:xfrm>
+          <a:prstGeom prst="rect">
+            <a:avLst/>
+          </a:prstGeom>
+          <a:noFill/>
+        </p:spPr>
+        <p:txBody>
+          <a:bodyPr wrap="square" rtlCol="0">
+            <a:spAutoFit/>
+          </a:bodyPr>
+          <a:lstStyle/>
+          <a:p>
+            <a:r>
+              <a:rPr kumimoji="1" lang="en-US" altLang="ko-KR" dirty="0">
+                <a:highlight>
+                  <a:srgbClr val="FFFF00"/>
+                </a:highlight>
+              </a:rPr>
+              <a:t>Built-in scheduler</a:t>
+            </a:r>
+            <a:endParaRPr kumimoji="1" lang="ko-KR" altLang="en-US" dirty="0">
+              <a:highlight>
+                <a:srgbClr val="FFFF00"/>
+              </a:highlight>
+            </a:endParaRPr>
+          </a:p>
+        </p:txBody>
+      </p:sp>
+      <p:sp>
+        <p:nvSpPr>
+          <p:cNvPr id="13" name="TextBox 12">
+            <a:extLst>
+              <a:ext uri="{FF2B5EF4-FFF2-40B4-BE49-F238E27FC236}">
+                <a16:creationId xmlns:a16="http://schemas.microsoft.com/office/drawing/2014/main" id="{CB44CD7E-1E4F-C045-B4FB-E808C4737761}"/>
+              </a:ext>
+            </a:extLst>
+          </p:cNvPr>
+          <p:cNvSpPr txBox="1"/>
+          <p:nvPr/>
+        </p:nvSpPr>
+        <p:spPr>
+          <a:xfrm>
+            <a:off x="491705" y="4536641"/>
+            <a:ext cx="6892506" cy="1200329"/>
+          </a:xfrm>
+          <a:prstGeom prst="rect">
+            <a:avLst/>
+          </a:prstGeom>
+          <a:noFill/>
+        </p:spPr>
+        <p:txBody>
+          <a:bodyPr wrap="square" rtlCol="0">
+            <a:spAutoFit/>
+          </a:bodyPr>
+          <a:lstStyle/>
+          <a:p>
+            <a:r>
+              <a:rPr kumimoji="1" lang="en-US" altLang="ko-KR" b="1" dirty="0" err="1"/>
+              <a:t>SerialDispatchQueueScheduler</a:t>
+            </a:r>
+            <a:endParaRPr kumimoji="1" lang="en-US" altLang="ko-KR" b="1" dirty="0"/>
+          </a:p>
+          <a:p>
+            <a:r>
+              <a:rPr kumimoji="1" lang="en-US" altLang="ko-KR" dirty="0"/>
+              <a:t>    </a:t>
+            </a:r>
+            <a:r>
+              <a:rPr kumimoji="1" lang="en-US" altLang="ko-KR" dirty="0" err="1"/>
+              <a:t>SerialDispatchQueue</a:t>
+            </a:r>
+            <a:r>
+              <a:rPr kumimoji="1" lang="ko-KR" altLang="en-US" dirty="0" err="1"/>
+              <a:t>를</a:t>
+            </a:r>
+            <a:r>
+              <a:rPr kumimoji="1" lang="ko-KR" altLang="en-US" dirty="0"/>
+              <a:t> 이용하여 작업을 진행</a:t>
+            </a:r>
+            <a:endParaRPr kumimoji="1" lang="en-US" altLang="ko-KR" dirty="0"/>
+          </a:p>
+          <a:p>
+            <a:r>
+              <a:rPr kumimoji="1" lang="ko-KR" altLang="en-US" dirty="0"/>
+              <a:t>    </a:t>
+            </a:r>
+            <a:r>
+              <a:rPr kumimoji="1" lang="en-US" altLang="ko-KR" dirty="0" err="1"/>
+              <a:t>observeOn</a:t>
+            </a:r>
+            <a:r>
+              <a:rPr kumimoji="1" lang="ko-KR" altLang="en-US" dirty="0"/>
+              <a:t>을 </a:t>
+            </a:r>
+            <a:r>
+              <a:rPr kumimoji="1" lang="ko-KR" altLang="en-US" dirty="0" err="1"/>
+              <a:t>사용할때</a:t>
+            </a:r>
+            <a:r>
+              <a:rPr kumimoji="1" lang="ko-KR" altLang="en-US" dirty="0"/>
+              <a:t> 다양한 이점이 있음</a:t>
+            </a:r>
+            <a:r>
+              <a:rPr kumimoji="1" lang="en-US" altLang="ko-KR" dirty="0"/>
+              <a:t>.</a:t>
+            </a:r>
+          </a:p>
+          <a:p>
+            <a:r>
+              <a:rPr kumimoji="1" lang="en-US" altLang="ko-KR" dirty="0"/>
+              <a:t>    Serial </a:t>
+            </a:r>
+            <a:r>
+              <a:rPr kumimoji="1" lang="ko-KR" altLang="en-US" dirty="0"/>
+              <a:t>방식으로  잘 </a:t>
+            </a:r>
+            <a:r>
+              <a:rPr kumimoji="1" lang="ko-KR" altLang="en-US" dirty="0" err="1"/>
+              <a:t>스케쥴된</a:t>
+            </a:r>
+            <a:r>
+              <a:rPr kumimoji="1" lang="ko-KR" altLang="en-US" dirty="0"/>
+              <a:t> 백그라운드 프로세스 처리 가능</a:t>
+            </a:r>
+            <a:endParaRPr kumimoji="1" lang="en-US" altLang="ko-KR" dirty="0"/>
+          </a:p>
+        </p:txBody>
+      </p:sp>
+    </p:spTree>
+    <p:extLst>
+      <p:ext uri="{BB962C8B-B14F-4D97-AF65-F5344CB8AC3E}">
+        <p14:creationId xmlns:p14="http://schemas.microsoft.com/office/powerpoint/2010/main" val="246460160"/>
+      </p:ext>
+    </p:extLst>
+  </p:cSld>
+  <p:clrMapOvr>
+    <a:masterClrMapping/>
+  </p:clrMapOvr>
+</p:sld>
+</file>
+
+<file path=ppt/slides/slide49.xml><?xml version="1.0" encoding="utf-8"?>
+<p:sld xmlns:a="http://schemas.openxmlformats.org/drawingml/2006/main" xmlns:r="http://schemas.openxmlformats.org/officeDocument/2006/relationships" xmlns:p="http://schemas.openxmlformats.org/presentationml/2006/main">
+  <p:cSld>
+    <p:spTree>
+      <p:nvGrpSpPr>
+        <p:cNvPr id="1" name=""/>
+        <p:cNvGrpSpPr/>
+        <p:nvPr/>
+      </p:nvGrpSpPr>
+      <p:grpSpPr>
+        <a:xfrm>
+          <a:off x="0" y="0"/>
+          <a:ext cx="0" cy="0"/>
+          <a:chOff x="0" y="0"/>
+          <a:chExt cx="0" cy="0"/>
+        </a:xfrm>
+      </p:grpSpPr>
+      <p:sp>
+        <p:nvSpPr>
+          <p:cNvPr id="9" name="제목 1">
+            <a:extLst>
+              <a:ext uri="{FF2B5EF4-FFF2-40B4-BE49-F238E27FC236}">
+                <a16:creationId xmlns:a16="http://schemas.microsoft.com/office/drawing/2014/main" id="{A53EB38A-7981-AE4A-93AE-B59BC554A676}"/>
+              </a:ext>
+            </a:extLst>
+          </p:cNvPr>
+          <p:cNvSpPr txBox="1">
+            <a:spLocks/>
+          </p:cNvSpPr>
+          <p:nvPr/>
+        </p:nvSpPr>
+        <p:spPr>
+          <a:xfrm>
+            <a:off x="285689" y="231676"/>
+            <a:ext cx="8296576" cy="581215"/>
+          </a:xfrm>
+          <a:prstGeom prst="rect">
+            <a:avLst/>
+          </a:prstGeom>
+        </p:spPr>
+        <p:txBody>
+          <a:bodyPr vert="horz" lIns="68580" tIns="34291" rIns="68580" bIns="34291" rtlCol="0" anchor="b">
+            <a:normAutofit/>
+          </a:bodyPr>
+          <a:lstStyle>
+            <a:lvl1pPr algn="ctr" defTabSz="914400" rtl="0" eaLnBrk="1" latinLnBrk="1" hangingPunct="1">
+              <a:lnSpc>
+                <a:spcPct val="90000"/>
+              </a:lnSpc>
+              <a:spcBef>
+                <a:spcPct val="0"/>
+              </a:spcBef>
+              <a:buNone/>
+              <a:defRPr sz="6000" kern="1200">
+                <a:solidFill>
+                  <a:schemeClr val="tx1"/>
+                </a:solidFill>
+                <a:latin typeface="+mj-lt"/>
+                <a:ea typeface="+mj-ea"/>
+                <a:cs typeface="+mj-cs"/>
+              </a:defRPr>
+            </a:lvl1pPr>
+          </a:lstStyle>
+          <a:p>
+            <a:pPr algn="l">
+              <a:defRPr lang="ko-KR" altLang="en-US"/>
+            </a:pPr>
+            <a:r>
+              <a:rPr lang="en-US" altLang="ko-KR" sz="2851" u="sng" dirty="0">
+                <a:solidFill>
+                  <a:srgbClr val="0070C0"/>
+                </a:solidFill>
+                <a:latin typeface="함초롬돋움" panose="020B0604000101010101" pitchFamily="50" charset="-127"/>
+                <a:ea typeface="함초롬돋움" panose="020B0604000101010101" pitchFamily="50" charset="-127"/>
+                <a:cs typeface="함초롬돋움" panose="020B0604000101010101" pitchFamily="50" charset="-127"/>
+              </a:rPr>
+              <a:t>Schedulers</a:t>
+            </a:r>
+          </a:p>
+        </p:txBody>
+      </p:sp>
+      <p:sp>
+        <p:nvSpPr>
+          <p:cNvPr id="6" name="TextBox 5">
+            <a:extLst>
+              <a:ext uri="{FF2B5EF4-FFF2-40B4-BE49-F238E27FC236}">
+                <a16:creationId xmlns:a16="http://schemas.microsoft.com/office/drawing/2014/main" id="{1F3BFED5-A397-6F4C-AFC0-A662C381D70D}"/>
+              </a:ext>
+            </a:extLst>
+          </p:cNvPr>
+          <p:cNvSpPr txBox="1"/>
+          <p:nvPr/>
+        </p:nvSpPr>
+        <p:spPr>
+          <a:xfrm>
+            <a:off x="491705" y="812891"/>
+            <a:ext cx="2225616" cy="368928"/>
+          </a:xfrm>
+          <a:prstGeom prst="rect">
+            <a:avLst/>
+          </a:prstGeom>
+          <a:noFill/>
+        </p:spPr>
+        <p:txBody>
+          <a:bodyPr wrap="square" rtlCol="0">
+            <a:spAutoFit/>
+          </a:bodyPr>
+          <a:lstStyle/>
+          <a:p>
+            <a:r>
+              <a:rPr kumimoji="1" lang="en-US" altLang="ko-KR" dirty="0">
+                <a:highlight>
+                  <a:srgbClr val="FFFF00"/>
+                </a:highlight>
+              </a:rPr>
+              <a:t>Built-in scheduler</a:t>
+            </a:r>
+            <a:endParaRPr kumimoji="1" lang="ko-KR" altLang="en-US" dirty="0">
+              <a:highlight>
+                <a:srgbClr val="FFFF00"/>
+              </a:highlight>
+            </a:endParaRPr>
+          </a:p>
+        </p:txBody>
+      </p:sp>
+      <p:sp>
+        <p:nvSpPr>
+          <p:cNvPr id="12" name="TextBox 11">
+            <a:extLst>
+              <a:ext uri="{FF2B5EF4-FFF2-40B4-BE49-F238E27FC236}">
+                <a16:creationId xmlns:a16="http://schemas.microsoft.com/office/drawing/2014/main" id="{A01D17FD-E9EB-E84C-9C0C-FFF0A03DD1B3}"/>
+              </a:ext>
+            </a:extLst>
+          </p:cNvPr>
+          <p:cNvSpPr txBox="1"/>
+          <p:nvPr/>
+        </p:nvSpPr>
+        <p:spPr>
+          <a:xfrm>
+            <a:off x="465826" y="1394106"/>
+            <a:ext cx="8212348" cy="1754326"/>
+          </a:xfrm>
+          <a:prstGeom prst="rect">
+            <a:avLst/>
+          </a:prstGeom>
+          <a:noFill/>
+        </p:spPr>
+        <p:txBody>
+          <a:bodyPr wrap="square" rtlCol="0">
+            <a:spAutoFit/>
+          </a:bodyPr>
+          <a:lstStyle/>
+          <a:p>
+            <a:r>
+              <a:rPr kumimoji="1" lang="en-US" altLang="ko-KR" b="1" dirty="0" err="1"/>
+              <a:t>ConcurrentDispatchQueueScheduler</a:t>
+            </a:r>
+            <a:endParaRPr kumimoji="1" lang="en-US" altLang="ko-KR" b="1" dirty="0"/>
+          </a:p>
+          <a:p>
+            <a:r>
+              <a:rPr kumimoji="1" lang="en-US" altLang="ko-KR" dirty="0"/>
+              <a:t>    </a:t>
+            </a:r>
+            <a:r>
+              <a:rPr kumimoji="1" lang="en-US" altLang="ko-KR" dirty="0" err="1"/>
+              <a:t>DispatchQueue</a:t>
+            </a:r>
+            <a:r>
+              <a:rPr kumimoji="1" lang="ko-KR" altLang="en-US" dirty="0" err="1"/>
+              <a:t>를</a:t>
+            </a:r>
+            <a:r>
+              <a:rPr kumimoji="1" lang="ko-KR" altLang="en-US" dirty="0"/>
+              <a:t> 이용하여 작업을 진행</a:t>
+            </a:r>
+            <a:endParaRPr kumimoji="1" lang="en-US" altLang="ko-KR" dirty="0"/>
+          </a:p>
+          <a:p>
+            <a:r>
+              <a:rPr kumimoji="1" lang="ko-KR" altLang="en-US" dirty="0"/>
+              <a:t>    작업을 병렬로 진행시킴</a:t>
+            </a:r>
+            <a:r>
+              <a:rPr kumimoji="1" lang="en-US" altLang="ko-KR" dirty="0"/>
+              <a:t>.</a:t>
+            </a:r>
+          </a:p>
+          <a:p>
+            <a:r>
+              <a:rPr kumimoji="1" lang="en-US" altLang="ko-KR" dirty="0"/>
+              <a:t>    </a:t>
+            </a:r>
+            <a:r>
+              <a:rPr kumimoji="1" lang="ko-KR" altLang="en-US" dirty="0"/>
+              <a:t>동시에 끝나야 하는 오랜 시간이 걸리는 여러 </a:t>
+            </a:r>
+            <a:r>
+              <a:rPr kumimoji="1" lang="en-US" altLang="ko-KR" dirty="0"/>
+              <a:t>Task</a:t>
+            </a:r>
+            <a:r>
+              <a:rPr kumimoji="1" lang="ko-KR" altLang="en-US" dirty="0"/>
+              <a:t>에 적합</a:t>
+            </a:r>
+            <a:endParaRPr kumimoji="1" lang="en-US" altLang="ko-KR" dirty="0"/>
+          </a:p>
+          <a:p>
+            <a:r>
+              <a:rPr kumimoji="1" lang="ko-KR" altLang="en-US" dirty="0"/>
+              <a:t>    </a:t>
+            </a:r>
+            <a:r>
+              <a:rPr kumimoji="1" lang="en-US" altLang="ko-KR" dirty="0" err="1"/>
+              <a:t>ConcurrentDispatchQueue</a:t>
+            </a:r>
+            <a:r>
+              <a:rPr kumimoji="1" lang="ko-KR" altLang="en-US" dirty="0"/>
+              <a:t>는 여러 작업을 동시에 수행하며 그 결과를 모으는데</a:t>
+            </a:r>
+            <a:endParaRPr kumimoji="1" lang="en-US" altLang="ko-KR" dirty="0"/>
+          </a:p>
+          <a:p>
+            <a:r>
+              <a:rPr kumimoji="1" lang="ko-KR" altLang="en-US" dirty="0"/>
+              <a:t>    최적화 되어있다</a:t>
+            </a:r>
+            <a:r>
+              <a:rPr kumimoji="1" lang="en-US" altLang="ko-KR" dirty="0"/>
+              <a:t> </a:t>
+            </a:r>
+          </a:p>
+        </p:txBody>
+      </p:sp>
+      <p:sp>
+        <p:nvSpPr>
+          <p:cNvPr id="13" name="TextBox 12">
+            <a:extLst>
+              <a:ext uri="{FF2B5EF4-FFF2-40B4-BE49-F238E27FC236}">
+                <a16:creationId xmlns:a16="http://schemas.microsoft.com/office/drawing/2014/main" id="{0AECBB6C-9D6A-914F-B244-424BCB3151A2}"/>
+              </a:ext>
+            </a:extLst>
+          </p:cNvPr>
+          <p:cNvSpPr txBox="1"/>
+          <p:nvPr/>
+        </p:nvSpPr>
+        <p:spPr>
+          <a:xfrm>
+            <a:off x="465826" y="3285489"/>
+            <a:ext cx="8212348" cy="1477328"/>
+          </a:xfrm>
+          <a:prstGeom prst="rect">
+            <a:avLst/>
+          </a:prstGeom>
+          <a:noFill/>
+        </p:spPr>
+        <p:txBody>
+          <a:bodyPr wrap="square" rtlCol="0">
+            <a:spAutoFit/>
+          </a:bodyPr>
+          <a:lstStyle/>
+          <a:p>
+            <a:r>
+              <a:rPr kumimoji="1" lang="en-US" altLang="ko-KR" b="1" dirty="0" err="1"/>
+              <a:t>OperationQueueScheduler</a:t>
+            </a:r>
+            <a:endParaRPr kumimoji="1" lang="en-US" altLang="ko-KR" b="1" dirty="0"/>
+          </a:p>
+          <a:p>
+            <a:r>
+              <a:rPr kumimoji="1" lang="en-US" altLang="ko-KR" dirty="0"/>
+              <a:t>    </a:t>
+            </a:r>
+            <a:r>
+              <a:rPr kumimoji="1" lang="en-US" altLang="ko-KR" dirty="0" err="1"/>
+              <a:t>NSOperationQueue</a:t>
+            </a:r>
+            <a:r>
+              <a:rPr kumimoji="1" lang="ko-KR" altLang="en-US" dirty="0" err="1"/>
+              <a:t>를</a:t>
+            </a:r>
+            <a:r>
+              <a:rPr kumimoji="1" lang="ko-KR" altLang="en-US" dirty="0"/>
+              <a:t> 이용하여 작업 진행</a:t>
+            </a:r>
+            <a:endParaRPr kumimoji="1" lang="en-US" altLang="ko-KR" dirty="0"/>
+          </a:p>
+          <a:p>
+            <a:r>
+              <a:rPr kumimoji="1" lang="ko-KR" altLang="en-US" dirty="0"/>
+              <a:t>    병렬 작업을 진행할 때 많은 </a:t>
+            </a:r>
+            <a:r>
+              <a:rPr kumimoji="1" lang="en-US" altLang="ko-KR" dirty="0"/>
+              <a:t>Control </a:t>
+            </a:r>
+            <a:r>
+              <a:rPr kumimoji="1" lang="ko-KR" altLang="en-US" dirty="0"/>
+              <a:t>이 필요하다면 </a:t>
+            </a:r>
+            <a:r>
+              <a:rPr kumimoji="1" lang="en-US" altLang="ko-KR" dirty="0" err="1"/>
+              <a:t>DispatchQueue</a:t>
+            </a:r>
+            <a:r>
+              <a:rPr kumimoji="1" lang="ko-KR" altLang="en-US" dirty="0"/>
+              <a:t>보다 적합</a:t>
+            </a:r>
+            <a:endParaRPr kumimoji="1" lang="en-US" altLang="ko-KR" dirty="0"/>
+          </a:p>
+          <a:p>
+            <a:r>
+              <a:rPr kumimoji="1" lang="en-US" altLang="ko-KR" dirty="0"/>
+              <a:t>    </a:t>
+            </a:r>
+            <a:r>
+              <a:rPr kumimoji="1" lang="ko-KR" altLang="en-US" dirty="0"/>
+              <a:t>동시 작업의 수를 섬세하게 조정 할 때 사용가능</a:t>
+            </a:r>
+            <a:endParaRPr kumimoji="1" lang="en-US" altLang="ko-KR" dirty="0"/>
+          </a:p>
+          <a:p>
+            <a:r>
+              <a:rPr kumimoji="1" lang="ko-KR" altLang="en-US" dirty="0"/>
+              <a:t>    </a:t>
+            </a:r>
+            <a:r>
+              <a:rPr kumimoji="1" lang="en-US" altLang="ko-KR" dirty="0" err="1"/>
+              <a:t>maxConcurrentOperationCount</a:t>
+            </a:r>
+            <a:r>
+              <a:rPr kumimoji="1" lang="ko-KR" altLang="en-US" dirty="0" err="1"/>
+              <a:t>를</a:t>
+            </a:r>
+            <a:r>
+              <a:rPr kumimoji="1" lang="ko-KR" altLang="en-US" dirty="0"/>
+              <a:t> 변경하여 프로그램 필요에 맞게 </a:t>
+            </a:r>
+            <a:r>
+              <a:rPr kumimoji="1" lang="ko-KR" altLang="en-US" dirty="0" err="1"/>
+              <a:t>제어가능</a:t>
+            </a:r>
+            <a:endParaRPr kumimoji="1" lang="en-US" altLang="ko-KR" dirty="0"/>
+          </a:p>
+        </p:txBody>
+      </p:sp>
+      <p:sp>
+        <p:nvSpPr>
+          <p:cNvPr id="15" name="TextBox 14">
+            <a:extLst>
+              <a:ext uri="{FF2B5EF4-FFF2-40B4-BE49-F238E27FC236}">
+                <a16:creationId xmlns:a16="http://schemas.microsoft.com/office/drawing/2014/main" id="{C20C0DBD-900F-AB41-AD66-71348C832F0F}"/>
+              </a:ext>
+            </a:extLst>
+          </p:cNvPr>
+          <p:cNvSpPr txBox="1"/>
+          <p:nvPr/>
+        </p:nvSpPr>
+        <p:spPr>
+          <a:xfrm>
+            <a:off x="491705" y="4990644"/>
+            <a:ext cx="8212348" cy="923330"/>
+          </a:xfrm>
+          <a:prstGeom prst="rect">
+            <a:avLst/>
+          </a:prstGeom>
+          <a:noFill/>
+        </p:spPr>
+        <p:txBody>
+          <a:bodyPr wrap="square" rtlCol="0">
+            <a:spAutoFit/>
+          </a:bodyPr>
+          <a:lstStyle/>
+          <a:p>
+            <a:r>
+              <a:rPr kumimoji="1" lang="en-US" altLang="ko-KR" b="1" dirty="0" err="1"/>
+              <a:t>TestScheduler</a:t>
+            </a:r>
+            <a:endParaRPr kumimoji="1" lang="en-US" altLang="ko-KR" b="1" dirty="0"/>
+          </a:p>
+          <a:p>
+            <a:r>
+              <a:rPr kumimoji="1" lang="en-US" altLang="ko-KR" dirty="0"/>
+              <a:t>    </a:t>
+            </a:r>
+            <a:r>
+              <a:rPr kumimoji="1" lang="ko-KR" altLang="en-US" dirty="0"/>
+              <a:t>테스트용으로 쓰이는 스케줄러</a:t>
+            </a:r>
+            <a:endParaRPr kumimoji="1" lang="en-US" altLang="ko-KR" dirty="0"/>
+          </a:p>
+          <a:p>
+            <a:r>
+              <a:rPr kumimoji="1" lang="ko-KR" altLang="en-US" dirty="0"/>
+              <a:t>    </a:t>
+            </a:r>
+            <a:endParaRPr kumimoji="1" lang="en-US" altLang="ko-KR" dirty="0"/>
+          </a:p>
+        </p:txBody>
+      </p:sp>
+    </p:spTree>
+    <p:extLst>
+      <p:ext uri="{BB962C8B-B14F-4D97-AF65-F5344CB8AC3E}">
+        <p14:creationId xmlns:p14="http://schemas.microsoft.com/office/powerpoint/2010/main" val="2582004669"/>
       </p:ext>
     </p:extLst>
   </p:cSld>
@@ -18293,4 +22376,299 @@
     </a:ext>
   </a:extLst>
 </a:theme>
+</file>
+
+<file path=ppt/theme/theme2.xml><?xml version="1.0" encoding="utf-8"?>
+<a:theme xmlns:a="http://schemas.openxmlformats.org/drawingml/2006/main" name="Office 테마">
+  <a:themeElements>
+    <a:clrScheme name="Office">
+      <a:dk1>
+        <a:sysClr val="windowText" lastClr="000000"/>
+      </a:dk1>
+      <a:lt1>
+        <a:sysClr val="window" lastClr="FFFFFF"/>
+      </a:lt1>
+      <a:dk2>
+        <a:srgbClr val="44546A"/>
+      </a:dk2>
+      <a:lt2>
+        <a:srgbClr val="E7E6E6"/>
+      </a:lt2>
+      <a:accent1>
+        <a:srgbClr val="4472C4"/>
+      </a:accent1>
+      <a:accent2>
+        <a:srgbClr val="ED7D31"/>
+      </a:accent2>
+      <a:accent3>
+        <a:srgbClr val="A5A5A5"/>
+      </a:accent3>
+      <a:accent4>
+        <a:srgbClr val="FFC000"/>
+      </a:accent4>
+      <a:accent5>
+        <a:srgbClr val="5B9BD5"/>
+      </a:accent5>
+      <a:accent6>
+        <a:srgbClr val="70AD47"/>
+      </a:accent6>
+      <a:hlink>
+        <a:srgbClr val="0563C1"/>
+      </a:hlink>
+      <a:folHlink>
+        <a:srgbClr val="954F72"/>
+      </a:folHlink>
+    </a:clrScheme>
+    <a:fontScheme name="Office">
+      <a:majorFont>
+        <a:latin typeface="맑은 고딕" panose="020F0302020204030204"/>
+        <a:ea typeface=""/>
+        <a:cs typeface=""/>
+        <a:font script="Jpan" typeface="游ゴシック Light"/>
+        <a:font script="Hang" typeface="맑은 고딕"/>
+        <a:font script="Hans" typeface="等线 Light"/>
+        <a:font script="Hant" typeface="新細明體"/>
+        <a:font script="Arab" typeface="Times New Roman"/>
+        <a:font script="Hebr" typeface="Times New Roman"/>
+        <a:font script="Thai" typeface="Angsana New"/>
+        <a:font script="Ethi" typeface="Nyala"/>
+        <a:font script="Beng" typeface="Vrinda"/>
+        <a:font script="Gujr" typeface="Shruti"/>
+        <a:font script="Khmr" typeface="MoolBoran"/>
+        <a:font script="Knda" typeface="Tunga"/>
+        <a:font script="Guru" typeface="Raavi"/>
+        <a:font script="Cans" typeface="Euphemia"/>
+        <a:font script="Cher" typeface="Plantagenet Cherokee"/>
+        <a:font script="Yiii" typeface="Microsoft Yi Baiti"/>
+        <a:font script="Tibt" typeface="Microsoft Himalaya"/>
+        <a:font script="Thaa" typeface="MV Boli"/>
+        <a:font script="Deva" typeface="Mangal"/>
+        <a:font script="Telu" typeface="Gautami"/>
+        <a:font script="Taml" typeface="Latha"/>
+        <a:font script="Syrc" typeface="Estrangelo Edessa"/>
+        <a:font script="Orya" typeface="Kalinga"/>
+        <a:font script="Mlym" typeface="Kartika"/>
+        <a:font script="Laoo" typeface="DokChampa"/>
+        <a:font script="Sinh" typeface="Iskoola Pota"/>
+        <a:font script="Mong" typeface="Mongolian Baiti"/>
+        <a:font script="Viet" typeface="Times New Roman"/>
+        <a:font script="Uigh" typeface="Microsoft Uighur"/>
+        <a:font script="Geor" typeface="Sylfaen"/>
+        <a:font script="Armn" typeface="Arial"/>
+        <a:font script="Bugi" typeface="Leelawadee UI"/>
+        <a:font script="Bopo" typeface="Microsoft JhengHei"/>
+        <a:font script="Java" typeface="Javanese Text"/>
+        <a:font script="Lisu" typeface="Segoe UI"/>
+        <a:font script="Mymr" typeface="Myanmar Text"/>
+        <a:font script="Nkoo" typeface="Ebrima"/>
+        <a:font script="Olck" typeface="Nirmala UI"/>
+        <a:font script="Osma" typeface="Ebrima"/>
+        <a:font script="Phag" typeface="Phagspa"/>
+        <a:font script="Syrn" typeface="Estrangelo Edessa"/>
+        <a:font script="Syrj" typeface="Estrangelo Edessa"/>
+        <a:font script="Syre" typeface="Estrangelo Edessa"/>
+        <a:font script="Sora" typeface="Nirmala UI"/>
+        <a:font script="Tale" typeface="Microsoft Tai Le"/>
+        <a:font script="Talu" typeface="Microsoft New Tai Lue"/>
+        <a:font script="Tfng" typeface="Ebrima"/>
+      </a:majorFont>
+      <a:minorFont>
+        <a:latin typeface="맑은 고딕" panose="020F0502020204030204"/>
+        <a:ea typeface=""/>
+        <a:cs typeface=""/>
+        <a:font script="Jpan" typeface="游ゴシック"/>
+        <a:font script="Hang" typeface="맑은 고딕"/>
+        <a:font script="Hans" typeface="等线"/>
+        <a:font script="Hant" typeface="新細明體"/>
+        <a:font script="Arab" typeface="Arial"/>
+        <a:font script="Hebr" typeface="Arial"/>
+        <a:font script="Thai" typeface="Cordia New"/>
+        <a:font script="Ethi" typeface="Nyala"/>
+        <a:font script="Beng" typeface="Vrinda"/>
+        <a:font script="Gujr" typeface="Shruti"/>
+        <a:font script="Khmr" typeface="DaunPenh"/>
+        <a:font script="Knda" typeface="Tunga"/>
+        <a:font script="Guru" typeface="Raavi"/>
+        <a:font script="Cans" typeface="Euphemia"/>
+        <a:font script="Cher" typeface="Plantagenet Cherokee"/>
+        <a:font script="Yiii" typeface="Microsoft Yi Baiti"/>
+        <a:font script="Tibt" typeface="Microsoft Himalaya"/>
+        <a:font script="Thaa" typeface="MV Boli"/>
+        <a:font script="Deva" typeface="Mangal"/>
+        <a:font script="Telu" typeface="Gautami"/>
+        <a:font script="Taml" typeface="Latha"/>
+        <a:font script="Syrc" typeface="Estrangelo Edessa"/>
+        <a:font script="Orya" typeface="Kalinga"/>
+        <a:font script="Mlym" typeface="Kartika"/>
+        <a:font script="Laoo" typeface="DokChampa"/>
+        <a:font script="Sinh" typeface="Iskoola Pota"/>
+        <a:font script="Mong" typeface="Mongolian Baiti"/>
+        <a:font script="Viet" typeface="Arial"/>
+        <a:font script="Uigh" typeface="Microsoft Uighur"/>
+        <a:font script="Geor" typeface="Sylfaen"/>
+        <a:font script="Armn" typeface="Arial"/>
+        <a:font script="Bugi" typeface="Leelawadee UI"/>
+        <a:font script="Bopo" typeface="Microsoft JhengHei"/>
+        <a:font script="Java" typeface="Javanese Text"/>
+        <a:font script="Lisu" typeface="Segoe UI"/>
+        <a:font script="Mymr" typeface="Myanmar Text"/>
+        <a:font script="Nkoo" typeface="Ebrima"/>
+        <a:font script="Olck" typeface="Nirmala UI"/>
+        <a:font script="Osma" typeface="Ebrima"/>
+        <a:font script="Phag" typeface="Phagspa"/>
+        <a:font script="Syrn" typeface="Estrangelo Edessa"/>
+        <a:font script="Syrj" typeface="Estrangelo Edessa"/>
+        <a:font script="Syre" typeface="Estrangelo Edessa"/>
+        <a:font script="Sora" typeface="Nirmala UI"/>
+        <a:font script="Tale" typeface="Microsoft Tai Le"/>
+        <a:font script="Talu" typeface="Microsoft New Tai Lue"/>
+        <a:font script="Tfng" typeface="Ebrima"/>
+      </a:minorFont>
+    </a:fontScheme>
+    <a:fmtScheme name="Office">
+      <a:fillStyleLst>
+        <a:solidFill>
+          <a:schemeClr val="phClr"/>
+        </a:solidFill>
+        <a:gradFill rotWithShape="1">
+          <a:gsLst>
+            <a:gs pos="0">
+              <a:schemeClr val="phClr">
+                <a:lumMod val="110000"/>
+                <a:satMod val="105000"/>
+                <a:tint val="67000"/>
+              </a:schemeClr>
+            </a:gs>
+            <a:gs pos="50000">
+              <a:schemeClr val="phClr">
+                <a:lumMod val="105000"/>
+                <a:satMod val="103000"/>
+                <a:tint val="73000"/>
+              </a:schemeClr>
+            </a:gs>
+            <a:gs pos="100000">
+              <a:schemeClr val="phClr">
+                <a:lumMod val="105000"/>
+                <a:satMod val="109000"/>
+                <a:tint val="81000"/>
+              </a:schemeClr>
+            </a:gs>
+          </a:gsLst>
+          <a:lin ang="5400000" scaled="0"/>
+        </a:gradFill>
+        <a:gradFill rotWithShape="1">
+          <a:gsLst>
+            <a:gs pos="0">
+              <a:schemeClr val="phClr">
+                <a:satMod val="103000"/>
+                <a:lumMod val="102000"/>
+                <a:tint val="94000"/>
+              </a:schemeClr>
+            </a:gs>
+            <a:gs pos="50000">
+              <a:schemeClr val="phClr">
+                <a:satMod val="110000"/>
+                <a:lumMod val="100000"/>
+                <a:shade val="100000"/>
+              </a:schemeClr>
+            </a:gs>
+            <a:gs pos="100000">
+              <a:schemeClr val="phClr">
+                <a:lumMod val="99000"/>
+                <a:satMod val="120000"/>
+                <a:shade val="78000"/>
+              </a:schemeClr>
+            </a:gs>
+          </a:gsLst>
+          <a:lin ang="5400000" scaled="0"/>
+        </a:gradFill>
+      </a:fillStyleLst>
+      <a:lnStyleLst>
+        <a:ln w="6350" cap="flat" cmpd="sng" algn="ctr">
+          <a:solidFill>
+            <a:schemeClr val="phClr"/>
+          </a:solidFill>
+          <a:prstDash val="solid"/>
+          <a:miter lim="800000"/>
+        </a:ln>
+        <a:ln w="12700" cap="flat" cmpd="sng" algn="ctr">
+          <a:solidFill>
+            <a:schemeClr val="phClr"/>
+          </a:solidFill>
+          <a:prstDash val="solid"/>
+          <a:miter lim="800000"/>
+        </a:ln>
+        <a:ln w="19050" cap="flat" cmpd="sng" algn="ctr">
+          <a:solidFill>
+            <a:schemeClr val="phClr"/>
+          </a:solidFill>
+          <a:prstDash val="solid"/>
+          <a:miter lim="800000"/>
+        </a:ln>
+      </a:lnStyleLst>
+      <a:effectStyleLst>
+        <a:effectStyle>
+          <a:effectLst/>
+        </a:effectStyle>
+        <a:effectStyle>
+          <a:effectLst/>
+        </a:effectStyle>
+        <a:effectStyle>
+          <a:effectLst>
+            <a:outerShdw blurRad="57150" dist="19050" dir="5400000" algn="ctr" rotWithShape="0">
+              <a:srgbClr val="000000">
+                <a:alpha val="63000"/>
+              </a:srgbClr>
+            </a:outerShdw>
+          </a:effectLst>
+        </a:effectStyle>
+      </a:effectStyleLst>
+      <a:bgFillStyleLst>
+        <a:solidFill>
+          <a:schemeClr val="phClr"/>
+        </a:solidFill>
+        <a:solidFill>
+          <a:schemeClr val="phClr">
+            <a:tint val="95000"/>
+            <a:satMod val="170000"/>
+          </a:schemeClr>
+        </a:solidFill>
+        <a:gradFill rotWithShape="1">
+          <a:gsLst>
+            <a:gs pos="0">
+              <a:schemeClr val="phClr">
+                <a:tint val="93000"/>
+                <a:satMod val="150000"/>
+                <a:shade val="98000"/>
+                <a:lumMod val="102000"/>
+              </a:schemeClr>
+            </a:gs>
+            <a:gs pos="50000">
+              <a:schemeClr val="phClr">
+                <a:tint val="98000"/>
+                <a:satMod val="130000"/>
+                <a:shade val="90000"/>
+                <a:lumMod val="103000"/>
+              </a:schemeClr>
+            </a:gs>
+            <a:gs pos="100000">
+              <a:schemeClr val="phClr">
+                <a:shade val="63000"/>
+                <a:satMod val="120000"/>
+              </a:schemeClr>
+            </a:gs>
+          </a:gsLst>
+          <a:lin ang="5400000" scaled="0"/>
+        </a:gradFill>
+      </a:bgFillStyleLst>
+    </a:fmtScheme>
+  </a:themeElements>
+  <a:objectDefaults/>
+  <a:extraClrSchemeLst/>
+  <a:extLst>
+    <a:ext uri="{05A4C25C-085E-4340-85A3-A5531E510DB2}">
+      <thm15:themeFamily xmlns:thm15="http://schemas.microsoft.com/office/thememl/2012/main" name="Office Theme" id="{62F939B6-93AF-4DB8-9C6B-D6C7DFDC589F}" vid="{4A3C46E8-61CC-4603-A589-7422A47A8E4A}"/>
+    </a:ext>
+  </a:extLst>
+</a:theme>
 </file>